--- a/Tesis/Avances/Avance 05-07.pptx
+++ b/Tesis/Avances/Avance 05-07.pptx
@@ -5,22 +5,15 @@
     <p:sldMasterId id="2147483648" r:id="rId1"/>
   </p:sldMasterIdLst>
   <p:notesMasterIdLst>
-    <p:notesMasterId r:id="rId15"/>
+    <p:notesMasterId r:id="rId8"/>
   </p:notesMasterIdLst>
   <p:sldIdLst>
     <p:sldId id="256" r:id="rId2"/>
     <p:sldId id="264" r:id="rId3"/>
     <p:sldId id="299" r:id="rId4"/>
-    <p:sldId id="300" r:id="rId5"/>
-    <p:sldId id="302" r:id="rId6"/>
-    <p:sldId id="301" r:id="rId7"/>
-    <p:sldId id="303" r:id="rId8"/>
-    <p:sldId id="304" r:id="rId9"/>
-    <p:sldId id="305" r:id="rId10"/>
-    <p:sldId id="307" r:id="rId11"/>
-    <p:sldId id="306" r:id="rId12"/>
-    <p:sldId id="308" r:id="rId13"/>
-    <p:sldId id="309" r:id="rId14"/>
+    <p:sldId id="311" r:id="rId5"/>
+    <p:sldId id="312" r:id="rId6"/>
+    <p:sldId id="310" r:id="rId7"/>
   </p:sldIdLst>
   <p:sldSz cx="9144000" cy="6858000" type="screen4x3"/>
   <p:notesSz cx="6858000" cy="9144000"/>
@@ -586,348 +579,6 @@
 </p:notes>
 </file>
 
-<file path=ppt/notesSlides/notesSlide10.xml><?xml version="1.0" encoding="utf-8"?>
-<p:notes xmlns:a="http://schemas.openxmlformats.org/drawingml/2006/main" xmlns:r="http://schemas.openxmlformats.org/officeDocument/2006/relationships" xmlns:p="http://schemas.openxmlformats.org/presentationml/2006/main">
-  <p:cSld>
-    <p:spTree>
-      <p:nvGrpSpPr>
-        <p:cNvPr id="1" name=""/>
-        <p:cNvGrpSpPr/>
-        <p:nvPr/>
-      </p:nvGrpSpPr>
-      <p:grpSpPr>
-        <a:xfrm>
-          <a:off x="0" y="0"/>
-          <a:ext cx="0" cy="0"/>
-          <a:chOff x="0" y="0"/>
-          <a:chExt cx="0" cy="0"/>
-        </a:xfrm>
-      </p:grpSpPr>
-      <p:sp>
-        <p:nvSpPr>
-          <p:cNvPr id="2" name="Slide Image Placeholder 1"/>
-          <p:cNvSpPr>
-            <a:spLocks noGrp="1" noRot="1" noChangeAspect="1"/>
-          </p:cNvSpPr>
-          <p:nvPr>
-            <p:ph type="sldImg"/>
-          </p:nvPr>
-        </p:nvSpPr>
-        <p:spPr/>
-      </p:sp>
-      <p:sp>
-        <p:nvSpPr>
-          <p:cNvPr id="3" name="Notes Placeholder 2"/>
-          <p:cNvSpPr>
-            <a:spLocks noGrp="1"/>
-          </p:cNvSpPr>
-          <p:nvPr>
-            <p:ph type="body" idx="1"/>
-          </p:nvPr>
-        </p:nvSpPr>
-        <p:spPr/>
-        <p:txBody>
-          <a:bodyPr/>
-          <a:lstStyle/>
-          <a:p>
-            <a:pPr rtl="0"/>
-            <a:r>
-              <a:rPr lang="es-CL" b="0" dirty="0" smtClean="0">
-                <a:effectLst/>
-              </a:rPr>
-              <a:t/>
-            </a:r>
-            <a:br>
-              <a:rPr lang="es-CL" b="0" dirty="0" smtClean="0">
-                <a:effectLst/>
-              </a:rPr>
-            </a:br>
-            <a:r>
-              <a:rPr lang="es-CL" b="0" dirty="0" smtClean="0">
-                <a:effectLst/>
-              </a:rPr>
-              <a:t/>
-            </a:r>
-            <a:br>
-              <a:rPr lang="es-CL" b="0" dirty="0" smtClean="0">
-                <a:effectLst/>
-              </a:rPr>
-            </a:br>
-            <a:r>
-              <a:rPr lang="es-CL" dirty="0" smtClean="0"/>
-              <a:t/>
-            </a:r>
-            <a:br>
-              <a:rPr lang="es-CL" dirty="0" smtClean="0"/>
-            </a:br>
-            <a:endParaRPr lang="es-CL" baseline="0" dirty="0" smtClean="0"/>
-          </a:p>
-        </p:txBody>
-      </p:sp>
-      <p:sp>
-        <p:nvSpPr>
-          <p:cNvPr id="4" name="Slide Number Placeholder 3"/>
-          <p:cNvSpPr>
-            <a:spLocks noGrp="1"/>
-          </p:cNvSpPr>
-          <p:nvPr>
-            <p:ph type="sldNum" sz="quarter" idx="10"/>
-          </p:nvPr>
-        </p:nvSpPr>
-        <p:spPr/>
-        <p:txBody>
-          <a:bodyPr/>
-          <a:lstStyle/>
-          <a:p>
-            <a:fld id="{FD8A45B5-3FD8-41C7-B846-079709D9BF4D}" type="slidenum">
-              <a:rPr lang="es-CL" smtClean="0"/>
-              <a:t>11</a:t>
-            </a:fld>
-            <a:endParaRPr lang="es-CL"/>
-          </a:p>
-        </p:txBody>
-      </p:sp>
-    </p:spTree>
-    <p:extLst>
-      <p:ext uri="{BB962C8B-B14F-4D97-AF65-F5344CB8AC3E}">
-        <p14:creationId xmlns:p14="http://schemas.microsoft.com/office/powerpoint/2010/main" val="3952561479"/>
-      </p:ext>
-    </p:extLst>
-  </p:cSld>
-  <p:clrMapOvr>
-    <a:masterClrMapping/>
-  </p:clrMapOvr>
-</p:notes>
-</file>
-
-<file path=ppt/notesSlides/notesSlide11.xml><?xml version="1.0" encoding="utf-8"?>
-<p:notes xmlns:a="http://schemas.openxmlformats.org/drawingml/2006/main" xmlns:r="http://schemas.openxmlformats.org/officeDocument/2006/relationships" xmlns:p="http://schemas.openxmlformats.org/presentationml/2006/main">
-  <p:cSld>
-    <p:spTree>
-      <p:nvGrpSpPr>
-        <p:cNvPr id="1" name=""/>
-        <p:cNvGrpSpPr/>
-        <p:nvPr/>
-      </p:nvGrpSpPr>
-      <p:grpSpPr>
-        <a:xfrm>
-          <a:off x="0" y="0"/>
-          <a:ext cx="0" cy="0"/>
-          <a:chOff x="0" y="0"/>
-          <a:chExt cx="0" cy="0"/>
-        </a:xfrm>
-      </p:grpSpPr>
-      <p:sp>
-        <p:nvSpPr>
-          <p:cNvPr id="2" name="Slide Image Placeholder 1"/>
-          <p:cNvSpPr>
-            <a:spLocks noGrp="1" noRot="1" noChangeAspect="1"/>
-          </p:cNvSpPr>
-          <p:nvPr>
-            <p:ph type="sldImg"/>
-          </p:nvPr>
-        </p:nvSpPr>
-        <p:spPr/>
-      </p:sp>
-      <p:sp>
-        <p:nvSpPr>
-          <p:cNvPr id="3" name="Notes Placeholder 2"/>
-          <p:cNvSpPr>
-            <a:spLocks noGrp="1"/>
-          </p:cNvSpPr>
-          <p:nvPr>
-            <p:ph type="body" idx="1"/>
-          </p:nvPr>
-        </p:nvSpPr>
-        <p:spPr/>
-        <p:txBody>
-          <a:bodyPr/>
-          <a:lstStyle/>
-          <a:p>
-            <a:pPr rtl="0"/>
-            <a:r>
-              <a:rPr lang="es-CL" b="0" dirty="0" smtClean="0">
-                <a:effectLst/>
-              </a:rPr>
-              <a:t/>
-            </a:r>
-            <a:br>
-              <a:rPr lang="es-CL" b="0" dirty="0" smtClean="0">
-                <a:effectLst/>
-              </a:rPr>
-            </a:br>
-            <a:r>
-              <a:rPr lang="es-CL" b="0" dirty="0" smtClean="0">
-                <a:effectLst/>
-              </a:rPr>
-              <a:t/>
-            </a:r>
-            <a:br>
-              <a:rPr lang="es-CL" b="0" dirty="0" smtClean="0">
-                <a:effectLst/>
-              </a:rPr>
-            </a:br>
-            <a:r>
-              <a:rPr lang="es-CL" dirty="0" smtClean="0"/>
-              <a:t/>
-            </a:r>
-            <a:br>
-              <a:rPr lang="es-CL" dirty="0" smtClean="0"/>
-            </a:br>
-            <a:endParaRPr lang="es-CL" baseline="0" dirty="0" smtClean="0"/>
-          </a:p>
-        </p:txBody>
-      </p:sp>
-      <p:sp>
-        <p:nvSpPr>
-          <p:cNvPr id="4" name="Slide Number Placeholder 3"/>
-          <p:cNvSpPr>
-            <a:spLocks noGrp="1"/>
-          </p:cNvSpPr>
-          <p:nvPr>
-            <p:ph type="sldNum" sz="quarter" idx="10"/>
-          </p:nvPr>
-        </p:nvSpPr>
-        <p:spPr/>
-        <p:txBody>
-          <a:bodyPr/>
-          <a:lstStyle/>
-          <a:p>
-            <a:fld id="{FD8A45B5-3FD8-41C7-B846-079709D9BF4D}" type="slidenum">
-              <a:rPr lang="es-CL" smtClean="0"/>
-              <a:t>12</a:t>
-            </a:fld>
-            <a:endParaRPr lang="es-CL"/>
-          </a:p>
-        </p:txBody>
-      </p:sp>
-    </p:spTree>
-    <p:extLst>
-      <p:ext uri="{BB962C8B-B14F-4D97-AF65-F5344CB8AC3E}">
-        <p14:creationId xmlns:p14="http://schemas.microsoft.com/office/powerpoint/2010/main" val="3952561479"/>
-      </p:ext>
-    </p:extLst>
-  </p:cSld>
-  <p:clrMapOvr>
-    <a:masterClrMapping/>
-  </p:clrMapOvr>
-</p:notes>
-</file>
-
-<file path=ppt/notesSlides/notesSlide12.xml><?xml version="1.0" encoding="utf-8"?>
-<p:notes xmlns:a="http://schemas.openxmlformats.org/drawingml/2006/main" xmlns:r="http://schemas.openxmlformats.org/officeDocument/2006/relationships" xmlns:p="http://schemas.openxmlformats.org/presentationml/2006/main">
-  <p:cSld>
-    <p:spTree>
-      <p:nvGrpSpPr>
-        <p:cNvPr id="1" name=""/>
-        <p:cNvGrpSpPr/>
-        <p:nvPr/>
-      </p:nvGrpSpPr>
-      <p:grpSpPr>
-        <a:xfrm>
-          <a:off x="0" y="0"/>
-          <a:ext cx="0" cy="0"/>
-          <a:chOff x="0" y="0"/>
-          <a:chExt cx="0" cy="0"/>
-        </a:xfrm>
-      </p:grpSpPr>
-      <p:sp>
-        <p:nvSpPr>
-          <p:cNvPr id="2" name="Slide Image Placeholder 1"/>
-          <p:cNvSpPr>
-            <a:spLocks noGrp="1" noRot="1" noChangeAspect="1"/>
-          </p:cNvSpPr>
-          <p:nvPr>
-            <p:ph type="sldImg"/>
-          </p:nvPr>
-        </p:nvSpPr>
-        <p:spPr/>
-      </p:sp>
-      <p:sp>
-        <p:nvSpPr>
-          <p:cNvPr id="3" name="Notes Placeholder 2"/>
-          <p:cNvSpPr>
-            <a:spLocks noGrp="1"/>
-          </p:cNvSpPr>
-          <p:nvPr>
-            <p:ph type="body" idx="1"/>
-          </p:nvPr>
-        </p:nvSpPr>
-        <p:spPr/>
-        <p:txBody>
-          <a:bodyPr/>
-          <a:lstStyle/>
-          <a:p>
-            <a:pPr rtl="0"/>
-            <a:r>
-              <a:rPr lang="es-CL" b="0" dirty="0" smtClean="0">
-                <a:effectLst/>
-              </a:rPr>
-              <a:t/>
-            </a:r>
-            <a:br>
-              <a:rPr lang="es-CL" b="0" dirty="0" smtClean="0">
-                <a:effectLst/>
-              </a:rPr>
-            </a:br>
-            <a:r>
-              <a:rPr lang="es-CL" b="0" dirty="0" smtClean="0">
-                <a:effectLst/>
-              </a:rPr>
-              <a:t/>
-            </a:r>
-            <a:br>
-              <a:rPr lang="es-CL" b="0" dirty="0" smtClean="0">
-                <a:effectLst/>
-              </a:rPr>
-            </a:br>
-            <a:r>
-              <a:rPr lang="es-CL" dirty="0" smtClean="0"/>
-              <a:t/>
-            </a:r>
-            <a:br>
-              <a:rPr lang="es-CL" dirty="0" smtClean="0"/>
-            </a:br>
-            <a:endParaRPr lang="es-CL" baseline="0" dirty="0" smtClean="0"/>
-          </a:p>
-        </p:txBody>
-      </p:sp>
-      <p:sp>
-        <p:nvSpPr>
-          <p:cNvPr id="4" name="Slide Number Placeholder 3"/>
-          <p:cNvSpPr>
-            <a:spLocks noGrp="1"/>
-          </p:cNvSpPr>
-          <p:nvPr>
-            <p:ph type="sldNum" sz="quarter" idx="10"/>
-          </p:nvPr>
-        </p:nvSpPr>
-        <p:spPr/>
-        <p:txBody>
-          <a:bodyPr/>
-          <a:lstStyle/>
-          <a:p>
-            <a:fld id="{FD8A45B5-3FD8-41C7-B846-079709D9BF4D}" type="slidenum">
-              <a:rPr lang="es-CL" smtClean="0"/>
-              <a:t>13</a:t>
-            </a:fld>
-            <a:endParaRPr lang="es-CL"/>
-          </a:p>
-        </p:txBody>
-      </p:sp>
-    </p:spTree>
-    <p:extLst>
-      <p:ext uri="{BB962C8B-B14F-4D97-AF65-F5344CB8AC3E}">
-        <p14:creationId xmlns:p14="http://schemas.microsoft.com/office/powerpoint/2010/main" val="3952561479"/>
-      </p:ext>
-    </p:extLst>
-  </p:cSld>
-  <p:clrMapOvr>
-    <a:masterClrMapping/>
-  </p:clrMapOvr>
-</p:notes>
-</file>
-
 <file path=ppt/notesSlides/notesSlide2.xml><?xml version="1.0" encoding="utf-8"?>
 <p:notes xmlns:a="http://schemas.openxmlformats.org/drawingml/2006/main" xmlns:r="http://schemas.openxmlformats.org/officeDocument/2006/relationships" xmlns:p="http://schemas.openxmlformats.org/presentationml/2006/main">
   <p:cSld>
@@ -1319,6 +970,18 @@
               <a:rPr lang="es-CL" b="0" dirty="0" smtClean="0">
                 <a:effectLst/>
               </a:rPr>
+              <a:t>Patrones</a:t>
+            </a:r>
+            <a:r>
+              <a:rPr lang="es-CL" b="0" baseline="0" dirty="0" smtClean="0">
+                <a:effectLst/>
+              </a:rPr>
+              <a:t> de un solo grupo, colocarlos en Participativo</a:t>
+            </a:r>
+            <a:r>
+              <a:rPr lang="es-CL" b="0" dirty="0" smtClean="0">
+                <a:effectLst/>
+              </a:rPr>
               <a:t/>
             </a:r>
             <a:br>
@@ -1366,474 +1029,6 @@
             <a:fld id="{FD8A45B5-3FD8-41C7-B846-079709D9BF4D}" type="slidenum">
               <a:rPr lang="es-CL" smtClean="0"/>
               <a:t>6</a:t>
-            </a:fld>
-            <a:endParaRPr lang="es-CL"/>
-          </a:p>
-        </p:txBody>
-      </p:sp>
-    </p:spTree>
-    <p:extLst>
-      <p:ext uri="{BB962C8B-B14F-4D97-AF65-F5344CB8AC3E}">
-        <p14:creationId xmlns:p14="http://schemas.microsoft.com/office/powerpoint/2010/main" val="3952561479"/>
-      </p:ext>
-    </p:extLst>
-  </p:cSld>
-  <p:clrMapOvr>
-    <a:masterClrMapping/>
-  </p:clrMapOvr>
-</p:notes>
-</file>
-
-<file path=ppt/notesSlides/notesSlide6.xml><?xml version="1.0" encoding="utf-8"?>
-<p:notes xmlns:a="http://schemas.openxmlformats.org/drawingml/2006/main" xmlns:r="http://schemas.openxmlformats.org/officeDocument/2006/relationships" xmlns:p="http://schemas.openxmlformats.org/presentationml/2006/main">
-  <p:cSld>
-    <p:spTree>
-      <p:nvGrpSpPr>
-        <p:cNvPr id="1" name=""/>
-        <p:cNvGrpSpPr/>
-        <p:nvPr/>
-      </p:nvGrpSpPr>
-      <p:grpSpPr>
-        <a:xfrm>
-          <a:off x="0" y="0"/>
-          <a:ext cx="0" cy="0"/>
-          <a:chOff x="0" y="0"/>
-          <a:chExt cx="0" cy="0"/>
-        </a:xfrm>
-      </p:grpSpPr>
-      <p:sp>
-        <p:nvSpPr>
-          <p:cNvPr id="2" name="Slide Image Placeholder 1"/>
-          <p:cNvSpPr>
-            <a:spLocks noGrp="1" noRot="1" noChangeAspect="1"/>
-          </p:cNvSpPr>
-          <p:nvPr>
-            <p:ph type="sldImg"/>
-          </p:nvPr>
-        </p:nvSpPr>
-        <p:spPr/>
-      </p:sp>
-      <p:sp>
-        <p:nvSpPr>
-          <p:cNvPr id="3" name="Notes Placeholder 2"/>
-          <p:cNvSpPr>
-            <a:spLocks noGrp="1"/>
-          </p:cNvSpPr>
-          <p:nvPr>
-            <p:ph type="body" idx="1"/>
-          </p:nvPr>
-        </p:nvSpPr>
-        <p:spPr/>
-        <p:txBody>
-          <a:bodyPr/>
-          <a:lstStyle/>
-          <a:p>
-            <a:pPr rtl="0"/>
-            <a:r>
-              <a:rPr lang="es-CL" b="0" dirty="0" smtClean="0">
-                <a:effectLst/>
-              </a:rPr>
-              <a:t>Patrones</a:t>
-            </a:r>
-            <a:r>
-              <a:rPr lang="es-CL" b="0" baseline="0" dirty="0" smtClean="0">
-                <a:effectLst/>
-              </a:rPr>
-              <a:t> de un solo grupo, colocarlos en Participativo</a:t>
-            </a:r>
-            <a:r>
-              <a:rPr lang="es-CL" b="0" dirty="0" smtClean="0">
-                <a:effectLst/>
-              </a:rPr>
-              <a:t/>
-            </a:r>
-            <a:br>
-              <a:rPr lang="es-CL" b="0" dirty="0" smtClean="0">
-                <a:effectLst/>
-              </a:rPr>
-            </a:br>
-            <a:r>
-              <a:rPr lang="es-CL" b="0" dirty="0" smtClean="0">
-                <a:effectLst/>
-              </a:rPr>
-              <a:t/>
-            </a:r>
-            <a:br>
-              <a:rPr lang="es-CL" b="0" dirty="0" smtClean="0">
-                <a:effectLst/>
-              </a:rPr>
-            </a:br>
-            <a:r>
-              <a:rPr lang="es-CL" dirty="0" smtClean="0"/>
-              <a:t/>
-            </a:r>
-            <a:br>
-              <a:rPr lang="es-CL" dirty="0" smtClean="0"/>
-            </a:br>
-            <a:endParaRPr lang="es-CL" baseline="0" dirty="0" smtClean="0"/>
-          </a:p>
-        </p:txBody>
-      </p:sp>
-      <p:sp>
-        <p:nvSpPr>
-          <p:cNvPr id="4" name="Slide Number Placeholder 3"/>
-          <p:cNvSpPr>
-            <a:spLocks noGrp="1"/>
-          </p:cNvSpPr>
-          <p:nvPr>
-            <p:ph type="sldNum" sz="quarter" idx="10"/>
-          </p:nvPr>
-        </p:nvSpPr>
-        <p:spPr/>
-        <p:txBody>
-          <a:bodyPr/>
-          <a:lstStyle/>
-          <a:p>
-            <a:fld id="{FD8A45B5-3FD8-41C7-B846-079709D9BF4D}" type="slidenum">
-              <a:rPr lang="es-CL" smtClean="0"/>
-              <a:t>7</a:t>
-            </a:fld>
-            <a:endParaRPr lang="es-CL"/>
-          </a:p>
-        </p:txBody>
-      </p:sp>
-    </p:spTree>
-    <p:extLst>
-      <p:ext uri="{BB962C8B-B14F-4D97-AF65-F5344CB8AC3E}">
-        <p14:creationId xmlns:p14="http://schemas.microsoft.com/office/powerpoint/2010/main" val="3952561479"/>
-      </p:ext>
-    </p:extLst>
-  </p:cSld>
-  <p:clrMapOvr>
-    <a:masterClrMapping/>
-  </p:clrMapOvr>
-</p:notes>
-</file>
-
-<file path=ppt/notesSlides/notesSlide7.xml><?xml version="1.0" encoding="utf-8"?>
-<p:notes xmlns:a="http://schemas.openxmlformats.org/drawingml/2006/main" xmlns:r="http://schemas.openxmlformats.org/officeDocument/2006/relationships" xmlns:p="http://schemas.openxmlformats.org/presentationml/2006/main">
-  <p:cSld>
-    <p:spTree>
-      <p:nvGrpSpPr>
-        <p:cNvPr id="1" name=""/>
-        <p:cNvGrpSpPr/>
-        <p:nvPr/>
-      </p:nvGrpSpPr>
-      <p:grpSpPr>
-        <a:xfrm>
-          <a:off x="0" y="0"/>
-          <a:ext cx="0" cy="0"/>
-          <a:chOff x="0" y="0"/>
-          <a:chExt cx="0" cy="0"/>
-        </a:xfrm>
-      </p:grpSpPr>
-      <p:sp>
-        <p:nvSpPr>
-          <p:cNvPr id="2" name="Slide Image Placeholder 1"/>
-          <p:cNvSpPr>
-            <a:spLocks noGrp="1" noRot="1" noChangeAspect="1"/>
-          </p:cNvSpPr>
-          <p:nvPr>
-            <p:ph type="sldImg"/>
-          </p:nvPr>
-        </p:nvSpPr>
-        <p:spPr/>
-      </p:sp>
-      <p:sp>
-        <p:nvSpPr>
-          <p:cNvPr id="3" name="Notes Placeholder 2"/>
-          <p:cNvSpPr>
-            <a:spLocks noGrp="1"/>
-          </p:cNvSpPr>
-          <p:nvPr>
-            <p:ph type="body" idx="1"/>
-          </p:nvPr>
-        </p:nvSpPr>
-        <p:spPr/>
-        <p:txBody>
-          <a:bodyPr/>
-          <a:lstStyle/>
-          <a:p>
-            <a:pPr rtl="0"/>
-            <a:r>
-              <a:rPr lang="es-CL" b="0" dirty="0" smtClean="0">
-                <a:effectLst/>
-              </a:rPr>
-              <a:t/>
-            </a:r>
-            <a:br>
-              <a:rPr lang="es-CL" b="0" dirty="0" smtClean="0">
-                <a:effectLst/>
-              </a:rPr>
-            </a:br>
-            <a:r>
-              <a:rPr lang="es-CL" b="0" dirty="0" smtClean="0">
-                <a:effectLst/>
-              </a:rPr>
-              <a:t/>
-            </a:r>
-            <a:br>
-              <a:rPr lang="es-CL" b="0" dirty="0" smtClean="0">
-                <a:effectLst/>
-              </a:rPr>
-            </a:br>
-            <a:r>
-              <a:rPr lang="es-CL" dirty="0" smtClean="0"/>
-              <a:t/>
-            </a:r>
-            <a:br>
-              <a:rPr lang="es-CL" dirty="0" smtClean="0"/>
-            </a:br>
-            <a:endParaRPr lang="es-CL" baseline="0" dirty="0" smtClean="0"/>
-          </a:p>
-        </p:txBody>
-      </p:sp>
-      <p:sp>
-        <p:nvSpPr>
-          <p:cNvPr id="4" name="Slide Number Placeholder 3"/>
-          <p:cNvSpPr>
-            <a:spLocks noGrp="1"/>
-          </p:cNvSpPr>
-          <p:nvPr>
-            <p:ph type="sldNum" sz="quarter" idx="10"/>
-          </p:nvPr>
-        </p:nvSpPr>
-        <p:spPr/>
-        <p:txBody>
-          <a:bodyPr/>
-          <a:lstStyle/>
-          <a:p>
-            <a:fld id="{FD8A45B5-3FD8-41C7-B846-079709D9BF4D}" type="slidenum">
-              <a:rPr lang="es-CL" smtClean="0"/>
-              <a:t>8</a:t>
-            </a:fld>
-            <a:endParaRPr lang="es-CL"/>
-          </a:p>
-        </p:txBody>
-      </p:sp>
-    </p:spTree>
-    <p:extLst>
-      <p:ext uri="{BB962C8B-B14F-4D97-AF65-F5344CB8AC3E}">
-        <p14:creationId xmlns:p14="http://schemas.microsoft.com/office/powerpoint/2010/main" val="3952561479"/>
-      </p:ext>
-    </p:extLst>
-  </p:cSld>
-  <p:clrMapOvr>
-    <a:masterClrMapping/>
-  </p:clrMapOvr>
-</p:notes>
-</file>
-
-<file path=ppt/notesSlides/notesSlide8.xml><?xml version="1.0" encoding="utf-8"?>
-<p:notes xmlns:a="http://schemas.openxmlformats.org/drawingml/2006/main" xmlns:r="http://schemas.openxmlformats.org/officeDocument/2006/relationships" xmlns:p="http://schemas.openxmlformats.org/presentationml/2006/main">
-  <p:cSld>
-    <p:spTree>
-      <p:nvGrpSpPr>
-        <p:cNvPr id="1" name=""/>
-        <p:cNvGrpSpPr/>
-        <p:nvPr/>
-      </p:nvGrpSpPr>
-      <p:grpSpPr>
-        <a:xfrm>
-          <a:off x="0" y="0"/>
-          <a:ext cx="0" cy="0"/>
-          <a:chOff x="0" y="0"/>
-          <a:chExt cx="0" cy="0"/>
-        </a:xfrm>
-      </p:grpSpPr>
-      <p:sp>
-        <p:nvSpPr>
-          <p:cNvPr id="2" name="Slide Image Placeholder 1"/>
-          <p:cNvSpPr>
-            <a:spLocks noGrp="1" noRot="1" noChangeAspect="1"/>
-          </p:cNvSpPr>
-          <p:nvPr>
-            <p:ph type="sldImg"/>
-          </p:nvPr>
-        </p:nvSpPr>
-        <p:spPr/>
-      </p:sp>
-      <p:sp>
-        <p:nvSpPr>
-          <p:cNvPr id="3" name="Notes Placeholder 2"/>
-          <p:cNvSpPr>
-            <a:spLocks noGrp="1"/>
-          </p:cNvSpPr>
-          <p:nvPr>
-            <p:ph type="body" idx="1"/>
-          </p:nvPr>
-        </p:nvSpPr>
-        <p:spPr/>
-        <p:txBody>
-          <a:bodyPr/>
-          <a:lstStyle/>
-          <a:p>
-            <a:pPr rtl="0"/>
-            <a:r>
-              <a:rPr lang="es-CL" b="0" dirty="0" smtClean="0">
-                <a:effectLst/>
-              </a:rPr>
-              <a:t/>
-            </a:r>
-            <a:br>
-              <a:rPr lang="es-CL" b="0" dirty="0" smtClean="0">
-                <a:effectLst/>
-              </a:rPr>
-            </a:br>
-            <a:r>
-              <a:rPr lang="es-CL" b="0" dirty="0" smtClean="0">
-                <a:effectLst/>
-              </a:rPr>
-              <a:t/>
-            </a:r>
-            <a:br>
-              <a:rPr lang="es-CL" b="0" dirty="0" smtClean="0">
-                <a:effectLst/>
-              </a:rPr>
-            </a:br>
-            <a:r>
-              <a:rPr lang="es-CL" dirty="0" smtClean="0"/>
-              <a:t/>
-            </a:r>
-            <a:br>
-              <a:rPr lang="es-CL" dirty="0" smtClean="0"/>
-            </a:br>
-            <a:endParaRPr lang="es-CL" baseline="0" dirty="0" smtClean="0"/>
-          </a:p>
-        </p:txBody>
-      </p:sp>
-      <p:sp>
-        <p:nvSpPr>
-          <p:cNvPr id="4" name="Slide Number Placeholder 3"/>
-          <p:cNvSpPr>
-            <a:spLocks noGrp="1"/>
-          </p:cNvSpPr>
-          <p:nvPr>
-            <p:ph type="sldNum" sz="quarter" idx="10"/>
-          </p:nvPr>
-        </p:nvSpPr>
-        <p:spPr/>
-        <p:txBody>
-          <a:bodyPr/>
-          <a:lstStyle/>
-          <a:p>
-            <a:fld id="{FD8A45B5-3FD8-41C7-B846-079709D9BF4D}" type="slidenum">
-              <a:rPr lang="es-CL" smtClean="0"/>
-              <a:t>9</a:t>
-            </a:fld>
-            <a:endParaRPr lang="es-CL"/>
-          </a:p>
-        </p:txBody>
-      </p:sp>
-    </p:spTree>
-    <p:extLst>
-      <p:ext uri="{BB962C8B-B14F-4D97-AF65-F5344CB8AC3E}">
-        <p14:creationId xmlns:p14="http://schemas.microsoft.com/office/powerpoint/2010/main" val="3952561479"/>
-      </p:ext>
-    </p:extLst>
-  </p:cSld>
-  <p:clrMapOvr>
-    <a:masterClrMapping/>
-  </p:clrMapOvr>
-</p:notes>
-</file>
-
-<file path=ppt/notesSlides/notesSlide9.xml><?xml version="1.0" encoding="utf-8"?>
-<p:notes xmlns:a="http://schemas.openxmlformats.org/drawingml/2006/main" xmlns:r="http://schemas.openxmlformats.org/officeDocument/2006/relationships" xmlns:p="http://schemas.openxmlformats.org/presentationml/2006/main">
-  <p:cSld>
-    <p:spTree>
-      <p:nvGrpSpPr>
-        <p:cNvPr id="1" name=""/>
-        <p:cNvGrpSpPr/>
-        <p:nvPr/>
-      </p:nvGrpSpPr>
-      <p:grpSpPr>
-        <a:xfrm>
-          <a:off x="0" y="0"/>
-          <a:ext cx="0" cy="0"/>
-          <a:chOff x="0" y="0"/>
-          <a:chExt cx="0" cy="0"/>
-        </a:xfrm>
-      </p:grpSpPr>
-      <p:sp>
-        <p:nvSpPr>
-          <p:cNvPr id="2" name="Slide Image Placeholder 1"/>
-          <p:cNvSpPr>
-            <a:spLocks noGrp="1" noRot="1" noChangeAspect="1"/>
-          </p:cNvSpPr>
-          <p:nvPr>
-            <p:ph type="sldImg"/>
-          </p:nvPr>
-        </p:nvSpPr>
-        <p:spPr/>
-      </p:sp>
-      <p:sp>
-        <p:nvSpPr>
-          <p:cNvPr id="3" name="Notes Placeholder 2"/>
-          <p:cNvSpPr>
-            <a:spLocks noGrp="1"/>
-          </p:cNvSpPr>
-          <p:nvPr>
-            <p:ph type="body" idx="1"/>
-          </p:nvPr>
-        </p:nvSpPr>
-        <p:spPr/>
-        <p:txBody>
-          <a:bodyPr/>
-          <a:lstStyle/>
-          <a:p>
-            <a:pPr rtl="0"/>
-            <a:r>
-              <a:rPr lang="es-CL" b="0" dirty="0" smtClean="0">
-                <a:effectLst/>
-              </a:rPr>
-              <a:t/>
-            </a:r>
-            <a:br>
-              <a:rPr lang="es-CL" b="0" dirty="0" smtClean="0">
-                <a:effectLst/>
-              </a:rPr>
-            </a:br>
-            <a:r>
-              <a:rPr lang="es-CL" b="0" dirty="0" smtClean="0">
-                <a:effectLst/>
-              </a:rPr>
-              <a:t/>
-            </a:r>
-            <a:br>
-              <a:rPr lang="es-CL" b="0" dirty="0" smtClean="0">
-                <a:effectLst/>
-              </a:rPr>
-            </a:br>
-            <a:r>
-              <a:rPr lang="es-CL" dirty="0" smtClean="0"/>
-              <a:t/>
-            </a:r>
-            <a:br>
-              <a:rPr lang="es-CL" dirty="0" smtClean="0"/>
-            </a:br>
-            <a:endParaRPr lang="es-CL" baseline="0" dirty="0" smtClean="0"/>
-          </a:p>
-        </p:txBody>
-      </p:sp>
-      <p:sp>
-        <p:nvSpPr>
-          <p:cNvPr id="4" name="Slide Number Placeholder 3"/>
-          <p:cNvSpPr>
-            <a:spLocks noGrp="1"/>
-          </p:cNvSpPr>
-          <p:nvPr>
-            <p:ph type="sldNum" sz="quarter" idx="10"/>
-          </p:nvPr>
-        </p:nvSpPr>
-        <p:spPr/>
-        <p:txBody>
-          <a:bodyPr/>
-          <a:lstStyle/>
-          <a:p>
-            <a:fld id="{FD8A45B5-3FD8-41C7-B846-079709D9BF4D}" type="slidenum">
-              <a:rPr lang="es-CL" smtClean="0"/>
-              <a:t>10</a:t>
             </a:fld>
             <a:endParaRPr lang="es-CL"/>
           </a:p>
@@ -4865,7 +4060,7 @@
             </a:r>
             <a:r>
               <a:rPr lang="en-US" dirty="0" smtClean="0"/>
-              <a:t>20/06</a:t>
+              <a:t>05/07</a:t>
             </a:r>
             <a:endParaRPr lang="es-CL" dirty="0"/>
           </a:p>
@@ -4902,1374 +4097,6 @@
     <p:extLst>
       <p:ext uri="{BB962C8B-B14F-4D97-AF65-F5344CB8AC3E}">
         <p14:creationId xmlns:p14="http://schemas.microsoft.com/office/powerpoint/2010/main" val="3395494607"/>
-      </p:ext>
-    </p:extLst>
-  </p:cSld>
-  <p:clrMapOvr>
-    <a:masterClrMapping/>
-  </p:clrMapOvr>
-  <p:timing>
-    <p:tnLst>
-      <p:par>
-        <p:cTn id="1" dur="indefinite" restart="never" nodeType="tmRoot"/>
-      </p:par>
-    </p:tnLst>
-  </p:timing>
-</p:sld>
-</file>
-
-<file path=ppt/slides/slide10.xml><?xml version="1.0" encoding="utf-8"?>
-<p:sld xmlns:a="http://schemas.openxmlformats.org/drawingml/2006/main" xmlns:r="http://schemas.openxmlformats.org/officeDocument/2006/relationships" xmlns:p="http://schemas.openxmlformats.org/presentationml/2006/main">
-  <p:cSld>
-    <p:spTree>
-      <p:nvGrpSpPr>
-        <p:cNvPr id="1" name=""/>
-        <p:cNvGrpSpPr/>
-        <p:nvPr/>
-      </p:nvGrpSpPr>
-      <p:grpSpPr>
-        <a:xfrm>
-          <a:off x="0" y="0"/>
-          <a:ext cx="0" cy="0"/>
-          <a:chOff x="0" y="0"/>
-          <a:chExt cx="0" cy="0"/>
-        </a:xfrm>
-      </p:grpSpPr>
-      <p:sp>
-        <p:nvSpPr>
-          <p:cNvPr id="2" name="Title 1"/>
-          <p:cNvSpPr>
-            <a:spLocks noGrp="1"/>
-          </p:cNvSpPr>
-          <p:nvPr>
-            <p:ph type="title"/>
-          </p:nvPr>
-        </p:nvSpPr>
-        <p:spPr>
-          <a:xfrm>
-            <a:off x="628650" y="349085"/>
-            <a:ext cx="7886700" cy="1325563"/>
-          </a:xfrm>
-        </p:spPr>
-        <p:txBody>
-          <a:bodyPr>
-            <a:normAutofit/>
-          </a:bodyPr>
-          <a:lstStyle/>
-          <a:p>
-            <a:r>
-              <a:rPr lang="es-CL" b="1" dirty="0" smtClean="0">
-                <a:solidFill>
-                  <a:schemeClr val="accent1">
-                    <a:lumMod val="75000"/>
-                  </a:schemeClr>
-                </a:solidFill>
-              </a:rPr>
-              <a:t>Trabajo Nicolás</a:t>
-            </a:r>
-            <a:endParaRPr lang="es-CL" sz="4000" b="1" dirty="0">
-              <a:solidFill>
-                <a:schemeClr val="accent1">
-                  <a:lumMod val="75000"/>
-                </a:schemeClr>
-              </a:solidFill>
-            </a:endParaRPr>
-          </a:p>
-        </p:txBody>
-      </p:sp>
-      <p:sp>
-        <p:nvSpPr>
-          <p:cNvPr id="5" name="Content Placeholder 2"/>
-          <p:cNvSpPr txBox="1">
-            <a:spLocks/>
-          </p:cNvSpPr>
-          <p:nvPr/>
-        </p:nvSpPr>
-        <p:spPr>
-          <a:xfrm>
-            <a:off x="628650" y="1857709"/>
-            <a:ext cx="7886700" cy="4351338"/>
-          </a:xfrm>
-          <a:prstGeom prst="rect">
-            <a:avLst/>
-          </a:prstGeom>
-        </p:spPr>
-        <p:txBody>
-          <a:bodyPr vert="horz" lIns="91440" tIns="45720" rIns="91440" bIns="45720" rtlCol="0">
-            <a:normAutofit/>
-          </a:bodyPr>
-          <a:lstStyle>
-            <a:lvl1pPr marL="228600" indent="-228600" algn="l" defTabSz="914400" rtl="0" eaLnBrk="1" latinLnBrk="0" hangingPunct="1">
-              <a:lnSpc>
-                <a:spcPct val="90000"/>
-              </a:lnSpc>
-              <a:spcBef>
-                <a:spcPts val="1000"/>
-              </a:spcBef>
-              <a:buFont typeface="Arial" panose="020B0604020202020204" pitchFamily="34" charset="0"/>
-              <a:buChar char="•"/>
-              <a:defRPr sz="2800" kern="1200">
-                <a:solidFill>
-                  <a:schemeClr val="tx1"/>
-                </a:solidFill>
-                <a:latin typeface="+mn-lt"/>
-                <a:ea typeface="+mn-ea"/>
-                <a:cs typeface="+mn-cs"/>
-              </a:defRPr>
-            </a:lvl1pPr>
-            <a:lvl2pPr marL="685800" indent="-228600" algn="l" defTabSz="914400" rtl="0" eaLnBrk="1" latinLnBrk="0" hangingPunct="1">
-              <a:lnSpc>
-                <a:spcPct val="90000"/>
-              </a:lnSpc>
-              <a:spcBef>
-                <a:spcPts val="500"/>
-              </a:spcBef>
-              <a:buFont typeface="Arial" panose="020B0604020202020204" pitchFamily="34" charset="0"/>
-              <a:buChar char="•"/>
-              <a:defRPr sz="2400" kern="1200">
-                <a:solidFill>
-                  <a:schemeClr val="tx1"/>
-                </a:solidFill>
-                <a:latin typeface="+mn-lt"/>
-                <a:ea typeface="+mn-ea"/>
-                <a:cs typeface="+mn-cs"/>
-              </a:defRPr>
-            </a:lvl2pPr>
-            <a:lvl3pPr marL="1143000" indent="-228600" algn="l" defTabSz="914400" rtl="0" eaLnBrk="1" latinLnBrk="0" hangingPunct="1">
-              <a:lnSpc>
-                <a:spcPct val="90000"/>
-              </a:lnSpc>
-              <a:spcBef>
-                <a:spcPts val="500"/>
-              </a:spcBef>
-              <a:buFont typeface="Arial" panose="020B0604020202020204" pitchFamily="34" charset="0"/>
-              <a:buChar char="•"/>
-              <a:defRPr sz="2000" kern="1200">
-                <a:solidFill>
-                  <a:schemeClr val="tx1"/>
-                </a:solidFill>
-                <a:latin typeface="+mn-lt"/>
-                <a:ea typeface="+mn-ea"/>
-                <a:cs typeface="+mn-cs"/>
-              </a:defRPr>
-            </a:lvl3pPr>
-            <a:lvl4pPr marL="1600200" indent="-228600" algn="l" defTabSz="914400" rtl="0" eaLnBrk="1" latinLnBrk="0" hangingPunct="1">
-              <a:lnSpc>
-                <a:spcPct val="90000"/>
-              </a:lnSpc>
-              <a:spcBef>
-                <a:spcPts val="500"/>
-              </a:spcBef>
-              <a:buFont typeface="Arial" panose="020B0604020202020204" pitchFamily="34" charset="0"/>
-              <a:buChar char="•"/>
-              <a:defRPr sz="1800" kern="1200">
-                <a:solidFill>
-                  <a:schemeClr val="tx1"/>
-                </a:solidFill>
-                <a:latin typeface="+mn-lt"/>
-                <a:ea typeface="+mn-ea"/>
-                <a:cs typeface="+mn-cs"/>
-              </a:defRPr>
-            </a:lvl4pPr>
-            <a:lvl5pPr marL="2057400" indent="-228600" algn="l" defTabSz="914400" rtl="0" eaLnBrk="1" latinLnBrk="0" hangingPunct="1">
-              <a:lnSpc>
-                <a:spcPct val="90000"/>
-              </a:lnSpc>
-              <a:spcBef>
-                <a:spcPts val="500"/>
-              </a:spcBef>
-              <a:buFont typeface="Arial" panose="020B0604020202020204" pitchFamily="34" charset="0"/>
-              <a:buChar char="•"/>
-              <a:defRPr sz="1800" kern="1200">
-                <a:solidFill>
-                  <a:schemeClr val="tx1"/>
-                </a:solidFill>
-                <a:latin typeface="+mn-lt"/>
-                <a:ea typeface="+mn-ea"/>
-                <a:cs typeface="+mn-cs"/>
-              </a:defRPr>
-            </a:lvl5pPr>
-            <a:lvl6pPr marL="2514600" indent="-228600" algn="l" defTabSz="914400" rtl="0" eaLnBrk="1" latinLnBrk="0" hangingPunct="1">
-              <a:lnSpc>
-                <a:spcPct val="90000"/>
-              </a:lnSpc>
-              <a:spcBef>
-                <a:spcPts val="500"/>
-              </a:spcBef>
-              <a:buFont typeface="Arial" panose="020B0604020202020204" pitchFamily="34" charset="0"/>
-              <a:buChar char="•"/>
-              <a:defRPr sz="1800" kern="1200">
-                <a:solidFill>
-                  <a:schemeClr val="tx1"/>
-                </a:solidFill>
-                <a:latin typeface="+mn-lt"/>
-                <a:ea typeface="+mn-ea"/>
-                <a:cs typeface="+mn-cs"/>
-              </a:defRPr>
-            </a:lvl6pPr>
-            <a:lvl7pPr marL="2971800" indent="-228600" algn="l" defTabSz="914400" rtl="0" eaLnBrk="1" latinLnBrk="0" hangingPunct="1">
-              <a:lnSpc>
-                <a:spcPct val="90000"/>
-              </a:lnSpc>
-              <a:spcBef>
-                <a:spcPts val="500"/>
-              </a:spcBef>
-              <a:buFont typeface="Arial" panose="020B0604020202020204" pitchFamily="34" charset="0"/>
-              <a:buChar char="•"/>
-              <a:defRPr sz="1800" kern="1200">
-                <a:solidFill>
-                  <a:schemeClr val="tx1"/>
-                </a:solidFill>
-                <a:latin typeface="+mn-lt"/>
-                <a:ea typeface="+mn-ea"/>
-                <a:cs typeface="+mn-cs"/>
-              </a:defRPr>
-            </a:lvl7pPr>
-            <a:lvl8pPr marL="3429000" indent="-228600" algn="l" defTabSz="914400" rtl="0" eaLnBrk="1" latinLnBrk="0" hangingPunct="1">
-              <a:lnSpc>
-                <a:spcPct val="90000"/>
-              </a:lnSpc>
-              <a:spcBef>
-                <a:spcPts val="500"/>
-              </a:spcBef>
-              <a:buFont typeface="Arial" panose="020B0604020202020204" pitchFamily="34" charset="0"/>
-              <a:buChar char="•"/>
-              <a:defRPr sz="1800" kern="1200">
-                <a:solidFill>
-                  <a:schemeClr val="tx1"/>
-                </a:solidFill>
-                <a:latin typeface="+mn-lt"/>
-                <a:ea typeface="+mn-ea"/>
-                <a:cs typeface="+mn-cs"/>
-              </a:defRPr>
-            </a:lvl8pPr>
-            <a:lvl9pPr marL="3886200" indent="-228600" algn="l" defTabSz="914400" rtl="0" eaLnBrk="1" latinLnBrk="0" hangingPunct="1">
-              <a:lnSpc>
-                <a:spcPct val="90000"/>
-              </a:lnSpc>
-              <a:spcBef>
-                <a:spcPts val="500"/>
-              </a:spcBef>
-              <a:buFont typeface="Arial" panose="020B0604020202020204" pitchFamily="34" charset="0"/>
-              <a:buChar char="•"/>
-              <a:defRPr sz="1800" kern="1200">
-                <a:solidFill>
-                  <a:schemeClr val="tx1"/>
-                </a:solidFill>
-                <a:latin typeface="+mn-lt"/>
-                <a:ea typeface="+mn-ea"/>
-                <a:cs typeface="+mn-cs"/>
-              </a:defRPr>
-            </a:lvl9pPr>
-          </a:lstStyle>
-          <a:p>
-            <a:pPr>
-              <a:buFontTx/>
-              <a:buChar char="-"/>
-            </a:pPr>
-            <a:r>
-              <a:rPr lang="es-CL" dirty="0" smtClean="0"/>
-              <a:t>Hay mayor proporción de pacientes compensados en un tratamiento </a:t>
-            </a:r>
-            <a:r>
-              <a:rPr lang="es-CL" dirty="0" err="1" smtClean="0"/>
-              <a:t>delegador</a:t>
-            </a:r>
-            <a:r>
-              <a:rPr lang="es-CL" dirty="0" smtClean="0"/>
-              <a:t>, en comparación a la delegación reasignada y a los tratamientos grupales casuales.</a:t>
-            </a:r>
-          </a:p>
-          <a:p>
-            <a:pPr marL="0" indent="0">
-              <a:buNone/>
-            </a:pPr>
-            <a:endParaRPr lang="en-US" dirty="0" smtClean="0"/>
-          </a:p>
-        </p:txBody>
-      </p:sp>
-    </p:spTree>
-    <p:extLst>
-      <p:ext uri="{BB962C8B-B14F-4D97-AF65-F5344CB8AC3E}">
-        <p14:creationId xmlns:p14="http://schemas.microsoft.com/office/powerpoint/2010/main" val="3820957468"/>
-      </p:ext>
-    </p:extLst>
-  </p:cSld>
-  <p:clrMapOvr>
-    <a:masterClrMapping/>
-  </p:clrMapOvr>
-  <p:timing>
-    <p:tnLst>
-      <p:par>
-        <p:cTn id="1" dur="indefinite" restart="never" nodeType="tmRoot"/>
-      </p:par>
-    </p:tnLst>
-  </p:timing>
-</p:sld>
-</file>
-
-<file path=ppt/slides/slide11.xml><?xml version="1.0" encoding="utf-8"?>
-<p:sld xmlns:a="http://schemas.openxmlformats.org/drawingml/2006/main" xmlns:r="http://schemas.openxmlformats.org/officeDocument/2006/relationships" xmlns:p="http://schemas.openxmlformats.org/presentationml/2006/main">
-  <p:cSld>
-    <p:spTree>
-      <p:nvGrpSpPr>
-        <p:cNvPr id="1" name=""/>
-        <p:cNvGrpSpPr/>
-        <p:nvPr/>
-      </p:nvGrpSpPr>
-      <p:grpSpPr>
-        <a:xfrm>
-          <a:off x="0" y="0"/>
-          <a:ext cx="0" cy="0"/>
-          <a:chOff x="0" y="0"/>
-          <a:chExt cx="0" cy="0"/>
-        </a:xfrm>
-      </p:grpSpPr>
-      <p:sp>
-        <p:nvSpPr>
-          <p:cNvPr id="2" name="Title 1"/>
-          <p:cNvSpPr>
-            <a:spLocks noGrp="1"/>
-          </p:cNvSpPr>
-          <p:nvPr>
-            <p:ph type="title"/>
-          </p:nvPr>
-        </p:nvSpPr>
-        <p:spPr>
-          <a:xfrm>
-            <a:off x="628650" y="349085"/>
-            <a:ext cx="7886700" cy="1325563"/>
-          </a:xfrm>
-        </p:spPr>
-        <p:txBody>
-          <a:bodyPr>
-            <a:normAutofit/>
-          </a:bodyPr>
-          <a:lstStyle/>
-          <a:p>
-            <a:r>
-              <a:rPr lang="es-CL" b="1" dirty="0" err="1" smtClean="0">
-                <a:solidFill>
-                  <a:schemeClr val="accent1">
-                    <a:lumMod val="75000"/>
-                  </a:schemeClr>
-                </a:solidFill>
-              </a:rPr>
-              <a:t>Results</a:t>
-            </a:r>
-            <a:endParaRPr lang="es-CL" sz="4000" b="1" dirty="0">
-              <a:solidFill>
-                <a:schemeClr val="accent1">
-                  <a:lumMod val="75000"/>
-                </a:schemeClr>
-              </a:solidFill>
-            </a:endParaRPr>
-          </a:p>
-        </p:txBody>
-      </p:sp>
-      <p:graphicFrame>
-        <p:nvGraphicFramePr>
-          <p:cNvPr id="6" name="5 Tabla"/>
-          <p:cNvGraphicFramePr>
-            <a:graphicFrameLocks noGrp="1"/>
-          </p:cNvGraphicFramePr>
-          <p:nvPr>
-            <p:extLst>
-              <p:ext uri="{D42A27DB-BD31-4B8C-83A1-F6EECF244321}">
-                <p14:modId xmlns:p14="http://schemas.microsoft.com/office/powerpoint/2010/main" val="1678431411"/>
-              </p:ext>
-            </p:extLst>
-          </p:nvPr>
-        </p:nvGraphicFramePr>
-        <p:xfrm>
-          <a:off x="685800" y="2895600"/>
-          <a:ext cx="7696200" cy="1866900"/>
-        </p:xfrm>
-        <a:graphic>
-          <a:graphicData uri="http://schemas.openxmlformats.org/drawingml/2006/table">
-            <a:tbl>
-              <a:tblPr>
-                <a:tableStyleId>{5C22544A-7EE6-4342-B048-85BDC9FD1C3A}</a:tableStyleId>
-              </a:tblPr>
-              <a:tblGrid>
-                <a:gridCol w="1847088"/>
-                <a:gridCol w="2724912"/>
-                <a:gridCol w="3124200"/>
-              </a:tblGrid>
-              <a:tr h="190500">
-                <a:tc>
-                  <a:txBody>
-                    <a:bodyPr/>
-                    <a:lstStyle/>
-                    <a:p>
-                      <a:pPr algn="ctr" fontAlgn="b"/>
-                      <a:r>
-                        <a:rPr lang="es-CL" sz="2400" b="0" i="0" u="none" strike="noStrike" dirty="0" smtClean="0">
-                          <a:solidFill>
-                            <a:srgbClr val="000000"/>
-                          </a:solidFill>
-                          <a:effectLst/>
-                          <a:latin typeface="Calibri"/>
-                        </a:rPr>
-                        <a:t>Segmento</a:t>
-                      </a:r>
-                      <a:r>
-                        <a:rPr lang="es-CL" sz="2400" b="0" i="0" u="none" strike="noStrike" dirty="0">
-                          <a:solidFill>
-                            <a:srgbClr val="000000"/>
-                          </a:solidFill>
-                          <a:effectLst/>
-                          <a:latin typeface="Calibri"/>
-                        </a:rPr>
-                        <a:t> </a:t>
-                      </a:r>
-                    </a:p>
-                  </a:txBody>
-                  <a:tcPr marL="9525" marR="9525" marT="9525" marB="0" anchor="b">
-                    <a:solidFill>
-                      <a:schemeClr val="bg1">
-                        <a:lumMod val="85000"/>
-                      </a:schemeClr>
-                    </a:solidFill>
-                  </a:tcPr>
-                </a:tc>
-                <a:tc>
-                  <a:txBody>
-                    <a:bodyPr/>
-                    <a:lstStyle/>
-                    <a:p>
-                      <a:pPr algn="ctr" fontAlgn="b"/>
-                      <a:r>
-                        <a:rPr lang="es-CL" sz="2400" b="0" i="0" u="none" strike="noStrike" dirty="0">
-                          <a:solidFill>
-                            <a:srgbClr val="000000"/>
-                          </a:solidFill>
-                          <a:effectLst/>
-                          <a:latin typeface="Calibri"/>
-                        </a:rPr>
-                        <a:t>Medianamente descompensado</a:t>
-                      </a:r>
-                    </a:p>
-                  </a:txBody>
-                  <a:tcPr marL="9525" marR="9525" marT="9525" marB="0" anchor="b">
-                    <a:solidFill>
-                      <a:schemeClr val="bg1">
-                        <a:lumMod val="85000"/>
-                      </a:schemeClr>
-                    </a:solidFill>
-                  </a:tcPr>
-                </a:tc>
-                <a:tc>
-                  <a:txBody>
-                    <a:bodyPr/>
-                    <a:lstStyle/>
-                    <a:p>
-                      <a:pPr algn="ctr" fontAlgn="b"/>
-                      <a:r>
-                        <a:rPr lang="es-CL" sz="2400" b="0" i="0" u="none" strike="noStrike" dirty="0" smtClean="0">
-                          <a:solidFill>
-                            <a:srgbClr val="000000"/>
-                          </a:solidFill>
-                          <a:effectLst/>
-                          <a:latin typeface="Calibri"/>
-                        </a:rPr>
-                        <a:t>Pacientes</a:t>
-                      </a:r>
-                      <a:endParaRPr lang="es-CL" sz="2400" b="0" i="0" u="none" strike="noStrike" dirty="0">
-                        <a:solidFill>
-                          <a:srgbClr val="000000"/>
-                        </a:solidFill>
-                        <a:effectLst/>
-                        <a:latin typeface="Calibri"/>
-                      </a:endParaRPr>
-                    </a:p>
-                  </a:txBody>
-                  <a:tcPr marL="9525" marR="9525" marT="9525" marB="0" anchor="b">
-                    <a:solidFill>
-                      <a:schemeClr val="bg1">
-                        <a:lumMod val="85000"/>
-                      </a:schemeClr>
-                    </a:solidFill>
-                  </a:tcPr>
-                </a:tc>
-              </a:tr>
-              <a:tr h="190500">
-                <a:tc>
-                  <a:txBody>
-                    <a:bodyPr/>
-                    <a:lstStyle/>
-                    <a:p>
-                      <a:pPr algn="ctr" fontAlgn="b"/>
-                      <a:r>
-                        <a:rPr lang="es-CL" sz="2400" b="0" i="0" u="none" strike="noStrike">
-                          <a:solidFill>
-                            <a:srgbClr val="000000"/>
-                          </a:solidFill>
-                          <a:effectLst/>
-                          <a:latin typeface="Calibri"/>
-                        </a:rPr>
-                        <a:t>Delegador</a:t>
-                      </a:r>
-                    </a:p>
-                  </a:txBody>
-                  <a:tcPr marL="9525" marR="9525" marT="9525" marB="0" anchor="b">
-                    <a:solidFill>
-                      <a:schemeClr val="tx2">
-                        <a:lumMod val="40000"/>
-                        <a:lumOff val="60000"/>
-                      </a:schemeClr>
-                    </a:solidFill>
-                  </a:tcPr>
-                </a:tc>
-                <a:tc>
-                  <a:txBody>
-                    <a:bodyPr/>
-                    <a:lstStyle/>
-                    <a:p>
-                      <a:pPr algn="ctr" fontAlgn="b"/>
-                      <a:r>
-                        <a:rPr lang="es-CL" sz="2400" b="0" i="0" u="none" strike="noStrike" dirty="0">
-                          <a:solidFill>
-                            <a:srgbClr val="000000"/>
-                          </a:solidFill>
-                          <a:effectLst/>
-                          <a:latin typeface="Calibri"/>
-                        </a:rPr>
-                        <a:t>17%</a:t>
-                      </a:r>
-                    </a:p>
-                  </a:txBody>
-                  <a:tcPr marL="9525" marR="9525" marT="9525" marB="0" anchor="b">
-                    <a:solidFill>
-                      <a:schemeClr val="tx2">
-                        <a:lumMod val="40000"/>
-                        <a:lumOff val="60000"/>
-                      </a:schemeClr>
-                    </a:solidFill>
-                  </a:tcPr>
-                </a:tc>
-                <a:tc>
-                  <a:txBody>
-                    <a:bodyPr/>
-                    <a:lstStyle/>
-                    <a:p>
-                      <a:pPr algn="ctr" fontAlgn="b"/>
-                      <a:r>
-                        <a:rPr lang="es-CL" sz="2400" b="0" i="0" u="none" strike="noStrike" dirty="0" smtClean="0">
-                          <a:solidFill>
-                            <a:srgbClr val="000000"/>
-                          </a:solidFill>
-                          <a:effectLst/>
-                          <a:latin typeface="Calibri"/>
-                        </a:rPr>
-                        <a:t>80</a:t>
-                      </a:r>
-                      <a:endParaRPr lang="es-CL" sz="2400" b="0" i="0" u="none" strike="noStrike" dirty="0">
-                        <a:solidFill>
-                          <a:srgbClr val="000000"/>
-                        </a:solidFill>
-                        <a:effectLst/>
-                        <a:latin typeface="Calibri"/>
-                      </a:endParaRPr>
-                    </a:p>
-                  </a:txBody>
-                  <a:tcPr marL="9525" marR="9525" marT="9525" marB="0" anchor="b">
-                    <a:solidFill>
-                      <a:schemeClr val="tx2">
-                        <a:lumMod val="40000"/>
-                        <a:lumOff val="60000"/>
-                      </a:schemeClr>
-                    </a:solidFill>
-                  </a:tcPr>
-                </a:tc>
-              </a:tr>
-              <a:tr h="190500">
-                <a:tc>
-                  <a:txBody>
-                    <a:bodyPr/>
-                    <a:lstStyle/>
-                    <a:p>
-                      <a:pPr algn="ctr" fontAlgn="b"/>
-                      <a:r>
-                        <a:rPr lang="es-CL" sz="2400" b="0" i="0" u="none" strike="noStrike">
-                          <a:solidFill>
-                            <a:srgbClr val="000000"/>
-                          </a:solidFill>
-                          <a:effectLst/>
-                          <a:latin typeface="Calibri"/>
-                        </a:rPr>
-                        <a:t>Participativo</a:t>
-                      </a:r>
-                    </a:p>
-                  </a:txBody>
-                  <a:tcPr marL="9525" marR="9525" marT="9525" marB="0" anchor="b">
-                    <a:solidFill>
-                      <a:schemeClr val="tx2">
-                        <a:lumMod val="40000"/>
-                        <a:lumOff val="60000"/>
-                      </a:schemeClr>
-                    </a:solidFill>
-                  </a:tcPr>
-                </a:tc>
-                <a:tc>
-                  <a:txBody>
-                    <a:bodyPr/>
-                    <a:lstStyle/>
-                    <a:p>
-                      <a:pPr algn="ctr" fontAlgn="b"/>
-                      <a:r>
-                        <a:rPr lang="es-CL" sz="2400" b="0" i="0" u="none" strike="noStrike">
-                          <a:solidFill>
-                            <a:srgbClr val="000000"/>
-                          </a:solidFill>
-                          <a:effectLst/>
-                          <a:latin typeface="Calibri"/>
-                        </a:rPr>
-                        <a:t>13%</a:t>
-                      </a:r>
-                    </a:p>
-                  </a:txBody>
-                  <a:tcPr marL="9525" marR="9525" marT="9525" marB="0" anchor="b">
-                    <a:solidFill>
-                      <a:schemeClr val="tx2">
-                        <a:lumMod val="40000"/>
-                        <a:lumOff val="60000"/>
-                      </a:schemeClr>
-                    </a:solidFill>
-                  </a:tcPr>
-                </a:tc>
-                <a:tc>
-                  <a:txBody>
-                    <a:bodyPr/>
-                    <a:lstStyle/>
-                    <a:p>
-                      <a:pPr algn="ctr" fontAlgn="b"/>
-                      <a:r>
-                        <a:rPr lang="es-CL" sz="2400" b="0" i="0" u="none" strike="noStrike" dirty="0" smtClean="0">
-                          <a:solidFill>
-                            <a:srgbClr val="000000"/>
-                          </a:solidFill>
-                          <a:effectLst/>
-                          <a:latin typeface="Calibri"/>
-                        </a:rPr>
-                        <a:t>9</a:t>
-                      </a:r>
-                      <a:endParaRPr lang="es-CL" sz="2400" b="0" i="0" u="none" strike="noStrike" dirty="0">
-                        <a:solidFill>
-                          <a:srgbClr val="000000"/>
-                        </a:solidFill>
-                        <a:effectLst/>
-                        <a:latin typeface="Calibri"/>
-                      </a:endParaRPr>
-                    </a:p>
-                  </a:txBody>
-                  <a:tcPr marL="9525" marR="9525" marT="9525" marB="0" anchor="b">
-                    <a:solidFill>
-                      <a:schemeClr val="tx2">
-                        <a:lumMod val="40000"/>
-                        <a:lumOff val="60000"/>
-                      </a:schemeClr>
-                    </a:solidFill>
-                  </a:tcPr>
-                </a:tc>
-              </a:tr>
-              <a:tr h="190500">
-                <a:tc>
-                  <a:txBody>
-                    <a:bodyPr/>
-                    <a:lstStyle/>
-                    <a:p>
-                      <a:pPr algn="ctr" fontAlgn="b"/>
-                      <a:r>
-                        <a:rPr lang="es-CL" sz="2400" b="0" i="0" u="none" strike="noStrike">
-                          <a:solidFill>
-                            <a:srgbClr val="000000"/>
-                          </a:solidFill>
-                          <a:effectLst/>
-                          <a:latin typeface="Calibri"/>
-                        </a:rPr>
-                        <a:t>Casual</a:t>
-                      </a:r>
-                    </a:p>
-                  </a:txBody>
-                  <a:tcPr marL="9525" marR="9525" marT="9525" marB="0" anchor="b">
-                    <a:solidFill>
-                      <a:schemeClr val="tx2">
-                        <a:lumMod val="40000"/>
-                        <a:lumOff val="60000"/>
-                      </a:schemeClr>
-                    </a:solidFill>
-                  </a:tcPr>
-                </a:tc>
-                <a:tc>
-                  <a:txBody>
-                    <a:bodyPr/>
-                    <a:lstStyle/>
-                    <a:p>
-                      <a:pPr algn="ctr" fontAlgn="b"/>
-                      <a:r>
-                        <a:rPr lang="es-CL" sz="2400" b="0" i="0" u="none" strike="noStrike" dirty="0">
-                          <a:solidFill>
-                            <a:srgbClr val="000000"/>
-                          </a:solidFill>
-                          <a:effectLst/>
-                          <a:latin typeface="Calibri"/>
-                        </a:rPr>
-                        <a:t>23%</a:t>
-                      </a:r>
-                    </a:p>
-                  </a:txBody>
-                  <a:tcPr marL="9525" marR="9525" marT="9525" marB="0" anchor="b">
-                    <a:solidFill>
-                      <a:schemeClr val="tx2">
-                        <a:lumMod val="40000"/>
-                        <a:lumOff val="60000"/>
-                      </a:schemeClr>
-                    </a:solidFill>
-                  </a:tcPr>
-                </a:tc>
-                <a:tc>
-                  <a:txBody>
-                    <a:bodyPr/>
-                    <a:lstStyle/>
-                    <a:p>
-                      <a:pPr algn="ctr" fontAlgn="b"/>
-                      <a:r>
-                        <a:rPr lang="es-CL" sz="2400" b="0" i="0" u="none" strike="noStrike" dirty="0" smtClean="0">
-                          <a:solidFill>
-                            <a:srgbClr val="000000"/>
-                          </a:solidFill>
-                          <a:effectLst/>
-                          <a:latin typeface="Calibri"/>
-                        </a:rPr>
-                        <a:t>90</a:t>
-                      </a:r>
-                      <a:endParaRPr lang="es-CL" sz="2400" b="0" i="0" u="none" strike="noStrike" dirty="0">
-                        <a:solidFill>
-                          <a:srgbClr val="000000"/>
-                        </a:solidFill>
-                        <a:effectLst/>
-                        <a:latin typeface="Calibri"/>
-                      </a:endParaRPr>
-                    </a:p>
-                  </a:txBody>
-                  <a:tcPr marL="9525" marR="9525" marT="9525" marB="0" anchor="b">
-                    <a:solidFill>
-                      <a:schemeClr val="tx2">
-                        <a:lumMod val="40000"/>
-                        <a:lumOff val="60000"/>
-                      </a:schemeClr>
-                    </a:solidFill>
-                  </a:tcPr>
-                </a:tc>
-              </a:tr>
-            </a:tbl>
-          </a:graphicData>
-        </a:graphic>
-      </p:graphicFrame>
-    </p:spTree>
-    <p:extLst>
-      <p:ext uri="{BB962C8B-B14F-4D97-AF65-F5344CB8AC3E}">
-        <p14:creationId xmlns:p14="http://schemas.microsoft.com/office/powerpoint/2010/main" val="768611252"/>
-      </p:ext>
-    </p:extLst>
-  </p:cSld>
-  <p:clrMapOvr>
-    <a:masterClrMapping/>
-  </p:clrMapOvr>
-  <p:timing>
-    <p:tnLst>
-      <p:par>
-        <p:cTn id="1" dur="indefinite" restart="never" nodeType="tmRoot"/>
-      </p:par>
-    </p:tnLst>
-  </p:timing>
-</p:sld>
-</file>
-
-<file path=ppt/slides/slide12.xml><?xml version="1.0" encoding="utf-8"?>
-<p:sld xmlns:a="http://schemas.openxmlformats.org/drawingml/2006/main" xmlns:r="http://schemas.openxmlformats.org/officeDocument/2006/relationships" xmlns:p="http://schemas.openxmlformats.org/presentationml/2006/main">
-  <p:cSld>
-    <p:spTree>
-      <p:nvGrpSpPr>
-        <p:cNvPr id="1" name=""/>
-        <p:cNvGrpSpPr/>
-        <p:nvPr/>
-      </p:nvGrpSpPr>
-      <p:grpSpPr>
-        <a:xfrm>
-          <a:off x="0" y="0"/>
-          <a:ext cx="0" cy="0"/>
-          <a:chOff x="0" y="0"/>
-          <a:chExt cx="0" cy="0"/>
-        </a:xfrm>
-      </p:grpSpPr>
-      <p:sp>
-        <p:nvSpPr>
-          <p:cNvPr id="2" name="Title 1"/>
-          <p:cNvSpPr>
-            <a:spLocks noGrp="1"/>
-          </p:cNvSpPr>
-          <p:nvPr>
-            <p:ph type="title"/>
-          </p:nvPr>
-        </p:nvSpPr>
-        <p:spPr>
-          <a:xfrm>
-            <a:off x="628650" y="349085"/>
-            <a:ext cx="7886700" cy="1325563"/>
-          </a:xfrm>
-        </p:spPr>
-        <p:txBody>
-          <a:bodyPr>
-            <a:normAutofit/>
-          </a:bodyPr>
-          <a:lstStyle/>
-          <a:p>
-            <a:r>
-              <a:rPr lang="es-CL" b="1" dirty="0" smtClean="0">
-                <a:solidFill>
-                  <a:schemeClr val="accent1">
-                    <a:lumMod val="75000"/>
-                  </a:schemeClr>
-                </a:solidFill>
-              </a:rPr>
-              <a:t>Trabajo Nicolás</a:t>
-            </a:r>
-            <a:endParaRPr lang="es-CL" sz="4000" b="1" dirty="0">
-              <a:solidFill>
-                <a:schemeClr val="accent1">
-                  <a:lumMod val="75000"/>
-                </a:schemeClr>
-              </a:solidFill>
-            </a:endParaRPr>
-          </a:p>
-        </p:txBody>
-      </p:sp>
-      <p:sp>
-        <p:nvSpPr>
-          <p:cNvPr id="5" name="Content Placeholder 2"/>
-          <p:cNvSpPr txBox="1">
-            <a:spLocks/>
-          </p:cNvSpPr>
-          <p:nvPr/>
-        </p:nvSpPr>
-        <p:spPr>
-          <a:xfrm>
-            <a:off x="628650" y="1857709"/>
-            <a:ext cx="7886700" cy="4351338"/>
-          </a:xfrm>
-          <a:prstGeom prst="rect">
-            <a:avLst/>
-          </a:prstGeom>
-        </p:spPr>
-        <p:txBody>
-          <a:bodyPr vert="horz" lIns="91440" tIns="45720" rIns="91440" bIns="45720" rtlCol="0">
-            <a:normAutofit/>
-          </a:bodyPr>
-          <a:lstStyle>
-            <a:lvl1pPr marL="228600" indent="-228600" algn="l" defTabSz="914400" rtl="0" eaLnBrk="1" latinLnBrk="0" hangingPunct="1">
-              <a:lnSpc>
-                <a:spcPct val="90000"/>
-              </a:lnSpc>
-              <a:spcBef>
-                <a:spcPts val="1000"/>
-              </a:spcBef>
-              <a:buFont typeface="Arial" panose="020B0604020202020204" pitchFamily="34" charset="0"/>
-              <a:buChar char="•"/>
-              <a:defRPr sz="2800" kern="1200">
-                <a:solidFill>
-                  <a:schemeClr val="tx1"/>
-                </a:solidFill>
-                <a:latin typeface="+mn-lt"/>
-                <a:ea typeface="+mn-ea"/>
-                <a:cs typeface="+mn-cs"/>
-              </a:defRPr>
-            </a:lvl1pPr>
-            <a:lvl2pPr marL="685800" indent="-228600" algn="l" defTabSz="914400" rtl="0" eaLnBrk="1" latinLnBrk="0" hangingPunct="1">
-              <a:lnSpc>
-                <a:spcPct val="90000"/>
-              </a:lnSpc>
-              <a:spcBef>
-                <a:spcPts val="500"/>
-              </a:spcBef>
-              <a:buFont typeface="Arial" panose="020B0604020202020204" pitchFamily="34" charset="0"/>
-              <a:buChar char="•"/>
-              <a:defRPr sz="2400" kern="1200">
-                <a:solidFill>
-                  <a:schemeClr val="tx1"/>
-                </a:solidFill>
-                <a:latin typeface="+mn-lt"/>
-                <a:ea typeface="+mn-ea"/>
-                <a:cs typeface="+mn-cs"/>
-              </a:defRPr>
-            </a:lvl2pPr>
-            <a:lvl3pPr marL="1143000" indent="-228600" algn="l" defTabSz="914400" rtl="0" eaLnBrk="1" latinLnBrk="0" hangingPunct="1">
-              <a:lnSpc>
-                <a:spcPct val="90000"/>
-              </a:lnSpc>
-              <a:spcBef>
-                <a:spcPts val="500"/>
-              </a:spcBef>
-              <a:buFont typeface="Arial" panose="020B0604020202020204" pitchFamily="34" charset="0"/>
-              <a:buChar char="•"/>
-              <a:defRPr sz="2000" kern="1200">
-                <a:solidFill>
-                  <a:schemeClr val="tx1"/>
-                </a:solidFill>
-                <a:latin typeface="+mn-lt"/>
-                <a:ea typeface="+mn-ea"/>
-                <a:cs typeface="+mn-cs"/>
-              </a:defRPr>
-            </a:lvl3pPr>
-            <a:lvl4pPr marL="1600200" indent="-228600" algn="l" defTabSz="914400" rtl="0" eaLnBrk="1" latinLnBrk="0" hangingPunct="1">
-              <a:lnSpc>
-                <a:spcPct val="90000"/>
-              </a:lnSpc>
-              <a:spcBef>
-                <a:spcPts val="500"/>
-              </a:spcBef>
-              <a:buFont typeface="Arial" panose="020B0604020202020204" pitchFamily="34" charset="0"/>
-              <a:buChar char="•"/>
-              <a:defRPr sz="1800" kern="1200">
-                <a:solidFill>
-                  <a:schemeClr val="tx1"/>
-                </a:solidFill>
-                <a:latin typeface="+mn-lt"/>
-                <a:ea typeface="+mn-ea"/>
-                <a:cs typeface="+mn-cs"/>
-              </a:defRPr>
-            </a:lvl4pPr>
-            <a:lvl5pPr marL="2057400" indent="-228600" algn="l" defTabSz="914400" rtl="0" eaLnBrk="1" latinLnBrk="0" hangingPunct="1">
-              <a:lnSpc>
-                <a:spcPct val="90000"/>
-              </a:lnSpc>
-              <a:spcBef>
-                <a:spcPts val="500"/>
-              </a:spcBef>
-              <a:buFont typeface="Arial" panose="020B0604020202020204" pitchFamily="34" charset="0"/>
-              <a:buChar char="•"/>
-              <a:defRPr sz="1800" kern="1200">
-                <a:solidFill>
-                  <a:schemeClr val="tx1"/>
-                </a:solidFill>
-                <a:latin typeface="+mn-lt"/>
-                <a:ea typeface="+mn-ea"/>
-                <a:cs typeface="+mn-cs"/>
-              </a:defRPr>
-            </a:lvl5pPr>
-            <a:lvl6pPr marL="2514600" indent="-228600" algn="l" defTabSz="914400" rtl="0" eaLnBrk="1" latinLnBrk="0" hangingPunct="1">
-              <a:lnSpc>
-                <a:spcPct val="90000"/>
-              </a:lnSpc>
-              <a:spcBef>
-                <a:spcPts val="500"/>
-              </a:spcBef>
-              <a:buFont typeface="Arial" panose="020B0604020202020204" pitchFamily="34" charset="0"/>
-              <a:buChar char="•"/>
-              <a:defRPr sz="1800" kern="1200">
-                <a:solidFill>
-                  <a:schemeClr val="tx1"/>
-                </a:solidFill>
-                <a:latin typeface="+mn-lt"/>
-                <a:ea typeface="+mn-ea"/>
-                <a:cs typeface="+mn-cs"/>
-              </a:defRPr>
-            </a:lvl6pPr>
-            <a:lvl7pPr marL="2971800" indent="-228600" algn="l" defTabSz="914400" rtl="0" eaLnBrk="1" latinLnBrk="0" hangingPunct="1">
-              <a:lnSpc>
-                <a:spcPct val="90000"/>
-              </a:lnSpc>
-              <a:spcBef>
-                <a:spcPts val="500"/>
-              </a:spcBef>
-              <a:buFont typeface="Arial" panose="020B0604020202020204" pitchFamily="34" charset="0"/>
-              <a:buChar char="•"/>
-              <a:defRPr sz="1800" kern="1200">
-                <a:solidFill>
-                  <a:schemeClr val="tx1"/>
-                </a:solidFill>
-                <a:latin typeface="+mn-lt"/>
-                <a:ea typeface="+mn-ea"/>
-                <a:cs typeface="+mn-cs"/>
-              </a:defRPr>
-            </a:lvl7pPr>
-            <a:lvl8pPr marL="3429000" indent="-228600" algn="l" defTabSz="914400" rtl="0" eaLnBrk="1" latinLnBrk="0" hangingPunct="1">
-              <a:lnSpc>
-                <a:spcPct val="90000"/>
-              </a:lnSpc>
-              <a:spcBef>
-                <a:spcPts val="500"/>
-              </a:spcBef>
-              <a:buFont typeface="Arial" panose="020B0604020202020204" pitchFamily="34" charset="0"/>
-              <a:buChar char="•"/>
-              <a:defRPr sz="1800" kern="1200">
-                <a:solidFill>
-                  <a:schemeClr val="tx1"/>
-                </a:solidFill>
-                <a:latin typeface="+mn-lt"/>
-                <a:ea typeface="+mn-ea"/>
-                <a:cs typeface="+mn-cs"/>
-              </a:defRPr>
-            </a:lvl8pPr>
-            <a:lvl9pPr marL="3886200" indent="-228600" algn="l" defTabSz="914400" rtl="0" eaLnBrk="1" latinLnBrk="0" hangingPunct="1">
-              <a:lnSpc>
-                <a:spcPct val="90000"/>
-              </a:lnSpc>
-              <a:spcBef>
-                <a:spcPts val="500"/>
-              </a:spcBef>
-              <a:buFont typeface="Arial" panose="020B0604020202020204" pitchFamily="34" charset="0"/>
-              <a:buChar char="•"/>
-              <a:defRPr sz="1800" kern="1200">
-                <a:solidFill>
-                  <a:schemeClr val="tx1"/>
-                </a:solidFill>
-                <a:latin typeface="+mn-lt"/>
-                <a:ea typeface="+mn-ea"/>
-                <a:cs typeface="+mn-cs"/>
-              </a:defRPr>
-            </a:lvl9pPr>
-          </a:lstStyle>
-          <a:p>
-            <a:pPr>
-              <a:buFontTx/>
-              <a:buChar char="-"/>
-            </a:pPr>
-            <a:r>
-              <a:rPr lang="es-CL" dirty="0" smtClean="0"/>
-              <a:t>Los pacientes con tratamiento grupal casual tienen una mayor proporción de pacientes que están medianamente descompensados.</a:t>
-            </a:r>
-          </a:p>
-          <a:p>
-            <a:pPr marL="0" indent="0">
-              <a:buNone/>
-            </a:pPr>
-            <a:endParaRPr lang="en-US" dirty="0" smtClean="0"/>
-          </a:p>
-        </p:txBody>
-      </p:sp>
-    </p:spTree>
-    <p:extLst>
-      <p:ext uri="{BB962C8B-B14F-4D97-AF65-F5344CB8AC3E}">
-        <p14:creationId xmlns:p14="http://schemas.microsoft.com/office/powerpoint/2010/main" val="607821296"/>
-      </p:ext>
-    </p:extLst>
-  </p:cSld>
-  <p:clrMapOvr>
-    <a:masterClrMapping/>
-  </p:clrMapOvr>
-  <p:timing>
-    <p:tnLst>
-      <p:par>
-        <p:cTn id="1" dur="indefinite" restart="never" nodeType="tmRoot"/>
-      </p:par>
-    </p:tnLst>
-  </p:timing>
-</p:sld>
-</file>
-
-<file path=ppt/slides/slide13.xml><?xml version="1.0" encoding="utf-8"?>
-<p:sld xmlns:a="http://schemas.openxmlformats.org/drawingml/2006/main" xmlns:r="http://schemas.openxmlformats.org/officeDocument/2006/relationships" xmlns:p="http://schemas.openxmlformats.org/presentationml/2006/main">
-  <p:cSld>
-    <p:spTree>
-      <p:nvGrpSpPr>
-        <p:cNvPr id="1" name=""/>
-        <p:cNvGrpSpPr/>
-        <p:nvPr/>
-      </p:nvGrpSpPr>
-      <p:grpSpPr>
-        <a:xfrm>
-          <a:off x="0" y="0"/>
-          <a:ext cx="0" cy="0"/>
-          <a:chOff x="0" y="0"/>
-          <a:chExt cx="0" cy="0"/>
-        </a:xfrm>
-      </p:grpSpPr>
-      <p:sp>
-        <p:nvSpPr>
-          <p:cNvPr id="2" name="Title 1"/>
-          <p:cNvSpPr>
-            <a:spLocks noGrp="1"/>
-          </p:cNvSpPr>
-          <p:nvPr>
-            <p:ph type="title"/>
-          </p:nvPr>
-        </p:nvSpPr>
-        <p:spPr>
-          <a:xfrm>
-            <a:off x="628650" y="349085"/>
-            <a:ext cx="7886700" cy="1325563"/>
-          </a:xfrm>
-        </p:spPr>
-        <p:txBody>
-          <a:bodyPr>
-            <a:normAutofit/>
-          </a:bodyPr>
-          <a:lstStyle/>
-          <a:p>
-            <a:r>
-              <a:rPr lang="es-CL" b="1" dirty="0" err="1" smtClean="0">
-                <a:solidFill>
-                  <a:schemeClr val="accent1">
-                    <a:lumMod val="75000"/>
-                  </a:schemeClr>
-                </a:solidFill>
-              </a:rPr>
-              <a:t>What</a:t>
-            </a:r>
-            <a:r>
-              <a:rPr lang="es-CL" b="1" dirty="0" smtClean="0">
-                <a:solidFill>
-                  <a:schemeClr val="accent1">
-                    <a:lumMod val="75000"/>
-                  </a:schemeClr>
-                </a:solidFill>
-              </a:rPr>
-              <a:t> to do </a:t>
-            </a:r>
-            <a:r>
-              <a:rPr lang="es-CL" b="1" dirty="0" err="1" smtClean="0">
-                <a:solidFill>
-                  <a:schemeClr val="accent1">
-                    <a:lumMod val="75000"/>
-                  </a:schemeClr>
-                </a:solidFill>
-              </a:rPr>
-              <a:t>next</a:t>
-            </a:r>
-            <a:r>
-              <a:rPr lang="es-CL" b="1" dirty="0" smtClean="0">
-                <a:solidFill>
-                  <a:schemeClr val="accent1">
-                    <a:lumMod val="75000"/>
-                  </a:schemeClr>
-                </a:solidFill>
-              </a:rPr>
-              <a:t>?</a:t>
-            </a:r>
-            <a:endParaRPr lang="es-CL" sz="4000" b="1" dirty="0">
-              <a:solidFill>
-                <a:schemeClr val="accent1">
-                  <a:lumMod val="75000"/>
-                </a:schemeClr>
-              </a:solidFill>
-            </a:endParaRPr>
-          </a:p>
-        </p:txBody>
-      </p:sp>
-      <p:sp>
-        <p:nvSpPr>
-          <p:cNvPr id="5" name="Content Placeholder 2"/>
-          <p:cNvSpPr txBox="1">
-            <a:spLocks/>
-          </p:cNvSpPr>
-          <p:nvPr/>
-        </p:nvSpPr>
-        <p:spPr>
-          <a:xfrm>
-            <a:off x="628650" y="1857709"/>
-            <a:ext cx="7886700" cy="4351338"/>
-          </a:xfrm>
-          <a:prstGeom prst="rect">
-            <a:avLst/>
-          </a:prstGeom>
-        </p:spPr>
-        <p:txBody>
-          <a:bodyPr vert="horz" lIns="91440" tIns="45720" rIns="91440" bIns="45720" rtlCol="0">
-            <a:normAutofit/>
-          </a:bodyPr>
-          <a:lstStyle>
-            <a:lvl1pPr marL="228600" indent="-228600" algn="l" defTabSz="914400" rtl="0" eaLnBrk="1" latinLnBrk="0" hangingPunct="1">
-              <a:lnSpc>
-                <a:spcPct val="90000"/>
-              </a:lnSpc>
-              <a:spcBef>
-                <a:spcPts val="1000"/>
-              </a:spcBef>
-              <a:buFont typeface="Arial" panose="020B0604020202020204" pitchFamily="34" charset="0"/>
-              <a:buChar char="•"/>
-              <a:defRPr sz="2800" kern="1200">
-                <a:solidFill>
-                  <a:schemeClr val="tx1"/>
-                </a:solidFill>
-                <a:latin typeface="+mn-lt"/>
-                <a:ea typeface="+mn-ea"/>
-                <a:cs typeface="+mn-cs"/>
-              </a:defRPr>
-            </a:lvl1pPr>
-            <a:lvl2pPr marL="685800" indent="-228600" algn="l" defTabSz="914400" rtl="0" eaLnBrk="1" latinLnBrk="0" hangingPunct="1">
-              <a:lnSpc>
-                <a:spcPct val="90000"/>
-              </a:lnSpc>
-              <a:spcBef>
-                <a:spcPts val="500"/>
-              </a:spcBef>
-              <a:buFont typeface="Arial" panose="020B0604020202020204" pitchFamily="34" charset="0"/>
-              <a:buChar char="•"/>
-              <a:defRPr sz="2400" kern="1200">
-                <a:solidFill>
-                  <a:schemeClr val="tx1"/>
-                </a:solidFill>
-                <a:latin typeface="+mn-lt"/>
-                <a:ea typeface="+mn-ea"/>
-                <a:cs typeface="+mn-cs"/>
-              </a:defRPr>
-            </a:lvl2pPr>
-            <a:lvl3pPr marL="1143000" indent="-228600" algn="l" defTabSz="914400" rtl="0" eaLnBrk="1" latinLnBrk="0" hangingPunct="1">
-              <a:lnSpc>
-                <a:spcPct val="90000"/>
-              </a:lnSpc>
-              <a:spcBef>
-                <a:spcPts val="500"/>
-              </a:spcBef>
-              <a:buFont typeface="Arial" panose="020B0604020202020204" pitchFamily="34" charset="0"/>
-              <a:buChar char="•"/>
-              <a:defRPr sz="2000" kern="1200">
-                <a:solidFill>
-                  <a:schemeClr val="tx1"/>
-                </a:solidFill>
-                <a:latin typeface="+mn-lt"/>
-                <a:ea typeface="+mn-ea"/>
-                <a:cs typeface="+mn-cs"/>
-              </a:defRPr>
-            </a:lvl3pPr>
-            <a:lvl4pPr marL="1600200" indent="-228600" algn="l" defTabSz="914400" rtl="0" eaLnBrk="1" latinLnBrk="0" hangingPunct="1">
-              <a:lnSpc>
-                <a:spcPct val="90000"/>
-              </a:lnSpc>
-              <a:spcBef>
-                <a:spcPts val="500"/>
-              </a:spcBef>
-              <a:buFont typeface="Arial" panose="020B0604020202020204" pitchFamily="34" charset="0"/>
-              <a:buChar char="•"/>
-              <a:defRPr sz="1800" kern="1200">
-                <a:solidFill>
-                  <a:schemeClr val="tx1"/>
-                </a:solidFill>
-                <a:latin typeface="+mn-lt"/>
-                <a:ea typeface="+mn-ea"/>
-                <a:cs typeface="+mn-cs"/>
-              </a:defRPr>
-            </a:lvl4pPr>
-            <a:lvl5pPr marL="2057400" indent="-228600" algn="l" defTabSz="914400" rtl="0" eaLnBrk="1" latinLnBrk="0" hangingPunct="1">
-              <a:lnSpc>
-                <a:spcPct val="90000"/>
-              </a:lnSpc>
-              <a:spcBef>
-                <a:spcPts val="500"/>
-              </a:spcBef>
-              <a:buFont typeface="Arial" panose="020B0604020202020204" pitchFamily="34" charset="0"/>
-              <a:buChar char="•"/>
-              <a:defRPr sz="1800" kern="1200">
-                <a:solidFill>
-                  <a:schemeClr val="tx1"/>
-                </a:solidFill>
-                <a:latin typeface="+mn-lt"/>
-                <a:ea typeface="+mn-ea"/>
-                <a:cs typeface="+mn-cs"/>
-              </a:defRPr>
-            </a:lvl5pPr>
-            <a:lvl6pPr marL="2514600" indent="-228600" algn="l" defTabSz="914400" rtl="0" eaLnBrk="1" latinLnBrk="0" hangingPunct="1">
-              <a:lnSpc>
-                <a:spcPct val="90000"/>
-              </a:lnSpc>
-              <a:spcBef>
-                <a:spcPts val="500"/>
-              </a:spcBef>
-              <a:buFont typeface="Arial" panose="020B0604020202020204" pitchFamily="34" charset="0"/>
-              <a:buChar char="•"/>
-              <a:defRPr sz="1800" kern="1200">
-                <a:solidFill>
-                  <a:schemeClr val="tx1"/>
-                </a:solidFill>
-                <a:latin typeface="+mn-lt"/>
-                <a:ea typeface="+mn-ea"/>
-                <a:cs typeface="+mn-cs"/>
-              </a:defRPr>
-            </a:lvl6pPr>
-            <a:lvl7pPr marL="2971800" indent="-228600" algn="l" defTabSz="914400" rtl="0" eaLnBrk="1" latinLnBrk="0" hangingPunct="1">
-              <a:lnSpc>
-                <a:spcPct val="90000"/>
-              </a:lnSpc>
-              <a:spcBef>
-                <a:spcPts val="500"/>
-              </a:spcBef>
-              <a:buFont typeface="Arial" panose="020B0604020202020204" pitchFamily="34" charset="0"/>
-              <a:buChar char="•"/>
-              <a:defRPr sz="1800" kern="1200">
-                <a:solidFill>
-                  <a:schemeClr val="tx1"/>
-                </a:solidFill>
-                <a:latin typeface="+mn-lt"/>
-                <a:ea typeface="+mn-ea"/>
-                <a:cs typeface="+mn-cs"/>
-              </a:defRPr>
-            </a:lvl7pPr>
-            <a:lvl8pPr marL="3429000" indent="-228600" algn="l" defTabSz="914400" rtl="0" eaLnBrk="1" latinLnBrk="0" hangingPunct="1">
-              <a:lnSpc>
-                <a:spcPct val="90000"/>
-              </a:lnSpc>
-              <a:spcBef>
-                <a:spcPts val="500"/>
-              </a:spcBef>
-              <a:buFont typeface="Arial" panose="020B0604020202020204" pitchFamily="34" charset="0"/>
-              <a:buChar char="•"/>
-              <a:defRPr sz="1800" kern="1200">
-                <a:solidFill>
-                  <a:schemeClr val="tx1"/>
-                </a:solidFill>
-                <a:latin typeface="+mn-lt"/>
-                <a:ea typeface="+mn-ea"/>
-                <a:cs typeface="+mn-cs"/>
-              </a:defRPr>
-            </a:lvl8pPr>
-            <a:lvl9pPr marL="3886200" indent="-228600" algn="l" defTabSz="914400" rtl="0" eaLnBrk="1" latinLnBrk="0" hangingPunct="1">
-              <a:lnSpc>
-                <a:spcPct val="90000"/>
-              </a:lnSpc>
-              <a:spcBef>
-                <a:spcPts val="500"/>
-              </a:spcBef>
-              <a:buFont typeface="Arial" panose="020B0604020202020204" pitchFamily="34" charset="0"/>
-              <a:buChar char="•"/>
-              <a:defRPr sz="1800" kern="1200">
-                <a:solidFill>
-                  <a:schemeClr val="tx1"/>
-                </a:solidFill>
-                <a:latin typeface="+mn-lt"/>
-                <a:ea typeface="+mn-ea"/>
-                <a:cs typeface="+mn-cs"/>
-              </a:defRPr>
-            </a:lvl9pPr>
-          </a:lstStyle>
-          <a:p>
-            <a:pPr>
-              <a:buFontTx/>
-              <a:buChar char="-"/>
-            </a:pPr>
-            <a:r>
-              <a:rPr lang="es-CL" dirty="0" smtClean="0"/>
-              <a:t>Realizar mismo análisis </a:t>
-            </a:r>
-            <a:r>
-              <a:rPr lang="es-CL" smtClean="0"/>
-              <a:t>con paciente-periodo</a:t>
-            </a:r>
-            <a:endParaRPr lang="es-CL" dirty="0" smtClean="0"/>
-          </a:p>
-          <a:p>
-            <a:pPr marL="0" indent="0">
-              <a:buNone/>
-            </a:pPr>
-            <a:endParaRPr lang="en-US" dirty="0" smtClean="0"/>
-          </a:p>
-        </p:txBody>
-      </p:sp>
-    </p:spTree>
-    <p:extLst>
-      <p:ext uri="{BB962C8B-B14F-4D97-AF65-F5344CB8AC3E}">
-        <p14:creationId xmlns:p14="http://schemas.microsoft.com/office/powerpoint/2010/main" val="1012587542"/>
       </p:ext>
     </p:extLst>
   </p:cSld>
@@ -6561,52 +4388,8 @@
           <a:p>
             <a:r>
               <a:rPr lang="es-CL" dirty="0" smtClean="0"/>
-              <a:t>Exploración de formas de tratamiento adicionales</a:t>
-            </a:r>
-            <a:endParaRPr lang="es-CL" dirty="0"/>
-          </a:p>
-          <a:p>
-            <a:r>
-              <a:rPr lang="es-CL" dirty="0" smtClean="0"/>
-              <a:t>Corte de los pacientes por tiempo (4 meses desde que lo derivaron)</a:t>
-            </a:r>
-            <a:endParaRPr lang="es-CL" dirty="0"/>
-          </a:p>
-          <a:p>
-            <a:pPr marL="457200" lvl="1" indent="0" algn="just">
-              <a:lnSpc>
-                <a:spcPct val="100000"/>
-              </a:lnSpc>
-              <a:spcBef>
-                <a:spcPts val="0"/>
-              </a:spcBef>
-              <a:buNone/>
-            </a:pPr>
-            <a:endParaRPr lang="es-CL" sz="2800" dirty="0" smtClean="0"/>
-          </a:p>
-          <a:p>
-            <a:pPr marL="457200" lvl="1" indent="0" algn="just">
-              <a:lnSpc>
-                <a:spcPct val="100000"/>
-              </a:lnSpc>
-              <a:spcBef>
-                <a:spcPts val="0"/>
-              </a:spcBef>
-              <a:buNone/>
-            </a:pPr>
-            <a:endParaRPr lang="es-CL" sz="2800" dirty="0" smtClean="0"/>
-          </a:p>
-          <a:p>
-            <a:pPr lvl="1" algn="just">
-              <a:lnSpc>
-                <a:spcPct val="150000"/>
-              </a:lnSpc>
-              <a:spcBef>
-                <a:spcPts val="0"/>
-              </a:spcBef>
-              <a:buFontTx/>
-              <a:buChar char="-"/>
-            </a:pPr>
+              <a:t>Buscar correlación entre segmentos y variables</a:t>
+            </a:r>
             <a:endParaRPr lang="es-CL" dirty="0" smtClean="0"/>
           </a:p>
           <a:p>
@@ -6669,7 +4452,7 @@
         </p:spPr>
         <p:txBody>
           <a:bodyPr>
-            <a:normAutofit fontScale="90000"/>
+            <a:normAutofit/>
           </a:bodyPr>
           <a:lstStyle/>
           <a:p>
@@ -6682,36 +4465,6 @@
                 </a:solidFill>
               </a:rPr>
               <a:t>Results</a:t>
-            </a:r>
-            <a:r>
-              <a:rPr lang="es-CL" b="1" dirty="0" smtClean="0">
-                <a:solidFill>
-                  <a:schemeClr val="accent1">
-                    <a:lumMod val="75000"/>
-                  </a:schemeClr>
-                </a:solidFill>
-              </a:rPr>
-              <a:t/>
-            </a:r>
-            <a:br>
-              <a:rPr lang="es-CL" b="1" dirty="0" smtClean="0">
-                <a:solidFill>
-                  <a:schemeClr val="accent1">
-                    <a:lumMod val="75000"/>
-                  </a:schemeClr>
-                </a:solidFill>
-              </a:rPr>
-            </a:br>
-            <a:r>
-              <a:rPr lang="es-CL" sz="4000" b="1" dirty="0" smtClean="0">
-                <a:solidFill>
-                  <a:schemeClr val="accent1">
-                    <a:lumMod val="60000"/>
-                    <a:lumOff val="40000"/>
-                  </a:schemeClr>
-                </a:solidFill>
-              </a:rPr>
-              <a:t>Intermitencia entre patrones</a:t>
             </a:r>
             <a:endParaRPr lang="es-CL" sz="4000" b="1" dirty="0">
               <a:solidFill>
@@ -6909,18 +4662,45 @@
             </a:lvl9pPr>
           </a:lstStyle>
           <a:p>
-            <a:pPr marL="0" indent="0">
-              <a:buNone/>
+            <a:pPr>
+              <a:buFontTx/>
+              <a:buChar char="-"/>
             </a:pPr>
             <a:r>
-              <a:rPr lang="es-CL" b="1" u="sng" dirty="0" smtClean="0"/>
-              <a:t>Tiempo en tratamiento grupal:</a:t>
-            </a:r>
-            <a:r>
               <a:rPr lang="es-CL" dirty="0" smtClean="0"/>
-              <a:t> es la proporción de tiempo en el cual un paciente se encuentra en un tratamiento grupal</a:t>
-            </a:r>
-            <a:endParaRPr lang="es-CL" b="1" u="sng" dirty="0" smtClean="0"/>
+              <a:t>Comparación de severidad</a:t>
+            </a:r>
+          </a:p>
+          <a:p>
+            <a:pPr>
+              <a:buFontTx/>
+              <a:buChar char="-"/>
+            </a:pPr>
+            <a:r>
+              <a:rPr lang="es-CL" dirty="0" smtClean="0"/>
+              <a:t>Comparación de comorbilidad</a:t>
+            </a:r>
+          </a:p>
+          <a:p>
+            <a:pPr>
+              <a:buFontTx/>
+              <a:buChar char="-"/>
+            </a:pPr>
+            <a:r>
+              <a:rPr lang="es-CL" dirty="0" smtClean="0"/>
+              <a:t>Comparación de presencia de nutricionista</a:t>
+            </a:r>
+          </a:p>
+          <a:p>
+            <a:pPr>
+              <a:buFontTx/>
+              <a:buChar char="-"/>
+            </a:pPr>
+            <a:r>
+              <a:rPr lang="es-CL" dirty="0" smtClean="0"/>
+              <a:t>Comparación de # de profesionales diferentes</a:t>
+            </a:r>
+            <a:endParaRPr lang="es-CL" dirty="0" smtClean="0"/>
           </a:p>
           <a:p>
             <a:pPr>
@@ -6931,223 +4711,6 @@
           </a:p>
         </p:txBody>
       </p:sp>
-      <mc:AlternateContent xmlns:mc="http://schemas.openxmlformats.org/markup-compatibility/2006" xmlns:a14="http://schemas.microsoft.com/office/drawing/2010/main">
-        <mc:Choice Requires="a14">
-          <p:sp>
-            <p:nvSpPr>
-              <p:cNvPr id="3" name="2 CuadroTexto"/>
-              <p:cNvSpPr txBox="1"/>
-              <p:nvPr/>
-            </p:nvSpPr>
-            <p:spPr>
-              <a:xfrm>
-                <a:off x="1559252" y="3896215"/>
-                <a:ext cx="6025496" cy="795539"/>
-              </a:xfrm>
-              <a:prstGeom prst="rect">
-                <a:avLst/>
-              </a:prstGeom>
-              <a:noFill/>
-            </p:spPr>
-            <p:txBody>
-              <a:bodyPr wrap="none" rtlCol="0">
-                <a:spAutoFit/>
-              </a:bodyPr>
-              <a:lstStyle/>
-              <a:p>
-                <a:pPr/>
-                <a14:m>
-                  <m:oMathPara xmlns:m="http://schemas.openxmlformats.org/officeDocument/2006/math">
-                    <m:oMathParaPr>
-                      <m:jc m:val="centerGroup"/>
-                    </m:oMathParaPr>
-                    <m:oMath xmlns:m="http://schemas.openxmlformats.org/officeDocument/2006/math">
-                      <m:r>
-                        <a:rPr lang="es-CL" sz="2400" b="0" i="1" smtClean="0">
-                          <a:latin typeface="Cambria Math"/>
-                        </a:rPr>
-                        <m:t>𝑇𝐺</m:t>
-                      </m:r>
-                      <m:r>
-                        <a:rPr lang="es-CL" sz="2400" i="1" smtClean="0">
-                          <a:latin typeface="Cambria Math"/>
-                        </a:rPr>
-                        <m:t>=</m:t>
-                      </m:r>
-                      <m:f>
-                        <m:fPr>
-                          <m:ctrlPr>
-                            <a:rPr lang="es-CL" sz="2400" i="1" smtClean="0">
-                              <a:latin typeface="Cambria Math"/>
-                            </a:rPr>
-                          </m:ctrlPr>
-                        </m:fPr>
-                        <m:num>
-                          <m:r>
-                            <a:rPr lang="es-CL" sz="2400" b="0" i="1" smtClean="0">
-                              <a:latin typeface="Cambria Math"/>
-                            </a:rPr>
-                            <m:t>𝐷</m:t>
-                          </m:r>
-                          <m:r>
-                            <a:rPr lang="es-CL" sz="2400" b="0" i="1" smtClean="0">
-                              <a:latin typeface="Cambria Math"/>
-                            </a:rPr>
-                            <m:t>í</m:t>
-                          </m:r>
-                          <m:r>
-                            <a:rPr lang="es-CL" sz="2400" b="0" i="1" smtClean="0">
-                              <a:latin typeface="Cambria Math"/>
-                            </a:rPr>
-                            <m:t>𝑎𝑠</m:t>
-                          </m:r>
-                          <m:r>
-                            <a:rPr lang="es-CL" sz="2400" b="0" i="1" smtClean="0">
-                              <a:latin typeface="Cambria Math"/>
-                            </a:rPr>
-                            <m:t> </m:t>
-                          </m:r>
-                          <m:r>
-                            <a:rPr lang="es-CL" sz="2400" b="0" i="1" smtClean="0">
-                              <a:latin typeface="Cambria Math"/>
-                            </a:rPr>
-                            <m:t>𝑒𝑛</m:t>
-                          </m:r>
-                          <m:r>
-                            <a:rPr lang="es-CL" sz="2400" b="0" i="1" smtClean="0">
-                              <a:latin typeface="Cambria Math"/>
-                            </a:rPr>
-                            <m:t> </m:t>
-                          </m:r>
-                          <m:r>
-                            <a:rPr lang="es-CL" sz="2400" b="0" i="1" smtClean="0">
-                              <a:latin typeface="Cambria Math"/>
-                            </a:rPr>
-                            <m:t>𝑡𝑟𝑎𝑡𝑎𝑚𝑖𝑒𝑛𝑡𝑜</m:t>
-                          </m:r>
-                          <m:r>
-                            <a:rPr lang="es-CL" sz="2400" b="0" i="1" smtClean="0">
-                              <a:latin typeface="Cambria Math"/>
-                            </a:rPr>
-                            <m:t> </m:t>
-                          </m:r>
-                          <m:r>
-                            <a:rPr lang="es-CL" sz="2400" b="0" i="1" smtClean="0">
-                              <a:latin typeface="Cambria Math"/>
-                            </a:rPr>
-                            <m:t>𝑔𝑟𝑢𝑝𝑎𝑙</m:t>
-                          </m:r>
-                        </m:num>
-                        <m:den>
-                          <m:r>
-                            <a:rPr lang="es-CL" sz="2400" b="0" i="1" smtClean="0">
-                              <a:latin typeface="Cambria Math"/>
-                            </a:rPr>
-                            <m:t>𝐷</m:t>
-                          </m:r>
-                          <m:r>
-                            <a:rPr lang="es-CL" sz="2400" b="0" i="1" smtClean="0">
-                              <a:latin typeface="Cambria Math"/>
-                            </a:rPr>
-                            <m:t>í</m:t>
-                          </m:r>
-                          <m:r>
-                            <a:rPr lang="es-CL" sz="2400" b="0" i="1" smtClean="0">
-                              <a:latin typeface="Cambria Math"/>
-                            </a:rPr>
-                            <m:t>𝑎𝑠</m:t>
-                          </m:r>
-                          <m:r>
-                            <a:rPr lang="es-CL" sz="2400" b="0" i="1" smtClean="0">
-                              <a:latin typeface="Cambria Math"/>
-                            </a:rPr>
-                            <m:t> </m:t>
-                          </m:r>
-                          <m:r>
-                            <a:rPr lang="es-CL" sz="2400" b="0" i="1" smtClean="0">
-                              <a:latin typeface="Cambria Math"/>
-                            </a:rPr>
-                            <m:t>𝑡𝑜𝑡𝑎𝑙𝑒𝑠</m:t>
-                          </m:r>
-                          <m:r>
-                            <a:rPr lang="es-CL" sz="2400" b="0" i="1" smtClean="0">
-                              <a:latin typeface="Cambria Math"/>
-                            </a:rPr>
-                            <m:t> </m:t>
-                          </m:r>
-                          <m:r>
-                            <a:rPr lang="es-CL" sz="2400" b="0" i="1" smtClean="0">
-                              <a:latin typeface="Cambria Math"/>
-                            </a:rPr>
-                            <m:t>𝑑𝑒</m:t>
-                          </m:r>
-                          <m:r>
-                            <a:rPr lang="es-CL" sz="2400" b="0" i="1" smtClean="0">
-                              <a:latin typeface="Cambria Math"/>
-                            </a:rPr>
-                            <m:t> </m:t>
-                          </m:r>
-                          <m:r>
-                            <a:rPr lang="es-CL" sz="2400" b="0" i="1" smtClean="0">
-                              <a:latin typeface="Cambria Math"/>
-                            </a:rPr>
-                            <m:t>𝑡𝑟𝑎𝑡𝑎𝑚𝑖𝑒𝑛𝑡𝑜</m:t>
-                          </m:r>
-                        </m:den>
-                      </m:f>
-                      <m:r>
-                        <a:rPr lang="es-CL" sz="2400" b="0" i="0" smtClean="0">
-                          <a:latin typeface="Cambria Math"/>
-                        </a:rPr>
-                        <m:t> ∗100%</m:t>
-                      </m:r>
-                    </m:oMath>
-                  </m:oMathPara>
-                </a14:m>
-                <a:endParaRPr lang="es-CL" sz="2400" dirty="0"/>
-              </a:p>
-            </p:txBody>
-          </p:sp>
-        </mc:Choice>
-        <mc:Fallback xmlns="">
-          <p:sp>
-            <p:nvSpPr>
-              <p:cNvPr id="3" name="2 CuadroTexto"/>
-              <p:cNvSpPr txBox="1">
-                <a:spLocks noRot="1" noChangeAspect="1" noMove="1" noResize="1" noEditPoints="1" noAdjustHandles="1" noChangeArrowheads="1" noChangeShapeType="1" noTextEdit="1"/>
-              </p:cNvSpPr>
-              <p:nvPr/>
-            </p:nvSpPr>
-            <p:spPr>
-              <a:xfrm>
-                <a:off x="1559252" y="3896215"/>
-                <a:ext cx="6025496" cy="795539"/>
-              </a:xfrm>
-              <a:prstGeom prst="rect">
-                <a:avLst/>
-              </a:prstGeom>
-              <a:blipFill rotWithShape="1">
-                <a:blip r:embed="rId3"/>
-                <a:stretch>
-                  <a:fillRect/>
-                </a:stretch>
-              </a:blipFill>
-            </p:spPr>
-            <p:txBody>
-              <a:bodyPr/>
-              <a:lstStyle/>
-              <a:p>
-                <a:r>
-                  <a:rPr lang="es-CL">
-                    <a:noFill/>
-                  </a:rPr>
-                  <a:t> </a:t>
-                </a:r>
-              </a:p>
-            </p:txBody>
-          </p:sp>
-        </mc:Fallback>
-      </mc:AlternateContent>
     </p:spTree>
     <p:extLst>
       <p:ext uri="{BB962C8B-B14F-4D97-AF65-F5344CB8AC3E}">
@@ -7413,115 +4976,67 @@
             </a:lvl9pPr>
           </a:lstStyle>
           <a:p>
-            <a:pPr marL="0" indent="0">
-              <a:buNone/>
+            <a:pPr>
+              <a:buFontTx/>
+              <a:buChar char="-"/>
             </a:pPr>
             <a:r>
-              <a:rPr lang="es-CL" b="1" u="sng" dirty="0" smtClean="0"/>
-              <a:t>Tratamiento casual:</a:t>
-            </a:r>
-            <a:r>
               <a:rPr lang="es-CL" dirty="0" smtClean="0"/>
-              <a:t> En algunas ocasiones, los pacientes son tratados por un grupo de profesionales, pero la mayoría de las veces son tratados por cualquiera</a:t>
-            </a:r>
-            <a:endParaRPr lang="es-CL" b="1" u="sng" dirty="0" smtClean="0"/>
-          </a:p>
-        </p:txBody>
-      </p:sp>
-      <mc:AlternateContent xmlns:mc="http://schemas.openxmlformats.org/markup-compatibility/2006" xmlns:a14="http://schemas.microsoft.com/office/drawing/2010/main">
-        <mc:Choice Requires="a14">
-          <p:sp>
-            <p:nvSpPr>
-              <p:cNvPr id="4" name="3 CuadroTexto"/>
-              <p:cNvSpPr txBox="1"/>
-              <p:nvPr/>
-            </p:nvSpPr>
-            <p:spPr>
-              <a:xfrm>
-                <a:off x="3742221" y="3896214"/>
-                <a:ext cx="1659557" cy="461665"/>
-              </a:xfrm>
-              <a:prstGeom prst="rect">
-                <a:avLst/>
-              </a:prstGeom>
-              <a:noFill/>
-            </p:spPr>
-            <p:txBody>
-              <a:bodyPr wrap="none" rtlCol="0">
-                <a:spAutoFit/>
-              </a:bodyPr>
-              <a:lstStyle/>
-              <a:p>
-                <a:pPr/>
-                <a14:m>
-                  <m:oMathPara xmlns:m="http://schemas.openxmlformats.org/officeDocument/2006/math">
-                    <m:oMathParaPr>
-                      <m:jc m:val="centerGroup"/>
-                    </m:oMathParaPr>
-                    <m:oMath xmlns:m="http://schemas.openxmlformats.org/officeDocument/2006/math">
-                      <m:r>
-                        <a:rPr lang="es-CL" sz="2400" b="0" i="1" smtClean="0">
-                          <a:latin typeface="Cambria Math"/>
-                        </a:rPr>
-                        <m:t>𝑇𝐺</m:t>
-                      </m:r>
-                      <m:r>
-                        <a:rPr lang="en-US" sz="2400" b="0" i="1" smtClean="0">
-                          <a:latin typeface="Cambria Math"/>
-                        </a:rPr>
-                        <m:t>&lt;30%</m:t>
-                      </m:r>
-                    </m:oMath>
-                  </m:oMathPara>
-                </a14:m>
-                <a:endParaRPr lang="es-CL" sz="2400" dirty="0"/>
-              </a:p>
-            </p:txBody>
-          </p:sp>
-        </mc:Choice>
-        <mc:Fallback xmlns="">
-          <p:sp>
-            <p:nvSpPr>
-              <p:cNvPr id="4" name="3 CuadroTexto"/>
-              <p:cNvSpPr txBox="1">
-                <a:spLocks noRot="1" noChangeAspect="1" noMove="1" noResize="1" noEditPoints="1" noAdjustHandles="1" noChangeArrowheads="1" noChangeShapeType="1" noTextEdit="1"/>
-              </p:cNvSpPr>
-              <p:nvPr/>
-            </p:nvSpPr>
-            <p:spPr>
-              <a:xfrm>
-                <a:off x="3742221" y="3896214"/>
-                <a:ext cx="1659557" cy="461665"/>
-              </a:xfrm>
-              <a:prstGeom prst="rect">
-                <a:avLst/>
-              </a:prstGeom>
-              <a:blipFill rotWithShape="1">
-                <a:blip r:embed="rId3"/>
-                <a:stretch>
-                  <a:fillRect/>
-                </a:stretch>
-              </a:blipFill>
-            </p:spPr>
-            <p:txBody>
-              <a:bodyPr/>
-              <a:lstStyle/>
-              <a:p>
-                <a:r>
-                  <a:rPr lang="es-CL">
-                    <a:noFill/>
-                  </a:rPr>
-                  <a:t> </a:t>
-                </a:r>
-              </a:p>
-            </p:txBody>
-          </p:sp>
-        </mc:Fallback>
-      </mc:AlternateContent>
+              <a:t>Comparación de severidad</a:t>
+            </a:r>
+          </a:p>
+          <a:p>
+            <a:pPr>
+              <a:buFontTx/>
+              <a:buChar char="-"/>
+            </a:pPr>
+            <a:r>
+              <a:rPr lang="es-CL" dirty="0" smtClean="0"/>
+              <a:t>Comparación de comorbilidad</a:t>
+            </a:r>
+          </a:p>
+          <a:p>
+            <a:pPr>
+              <a:buFontTx/>
+              <a:buChar char="-"/>
+            </a:pPr>
+            <a:r>
+              <a:rPr lang="es-CL" dirty="0" smtClean="0"/>
+              <a:t>Comparación de presencia de nutricionista</a:t>
+            </a:r>
+          </a:p>
+          <a:p>
+            <a:pPr>
+              <a:buFontTx/>
+              <a:buChar char="-"/>
+            </a:pPr>
+            <a:r>
+              <a:rPr lang="es-CL" dirty="0" smtClean="0">
+                <a:solidFill>
+                  <a:srgbClr val="FF0000"/>
+                </a:solidFill>
+              </a:rPr>
+              <a:t>Comparación de # de profesionales diferentes</a:t>
+            </a:r>
+            <a:endParaRPr lang="es-CL" dirty="0" smtClean="0">
+              <a:solidFill>
+                <a:srgbClr val="FF0000"/>
+              </a:solidFill>
+            </a:endParaRPr>
+          </a:p>
+          <a:p>
+            <a:pPr>
+              <a:buFontTx/>
+              <a:buChar char="-"/>
+            </a:pPr>
+            <a:endParaRPr lang="es-CL" dirty="0"/>
+          </a:p>
+        </p:txBody>
+      </p:sp>
     </p:spTree>
     <p:extLst>
       <p:ext uri="{BB962C8B-B14F-4D97-AF65-F5344CB8AC3E}">
-        <p14:creationId xmlns:p14="http://schemas.microsoft.com/office/powerpoint/2010/main" val="347211362"/>
+        <p14:creationId xmlns:p14="http://schemas.microsoft.com/office/powerpoint/2010/main" val="707742770"/>
       </p:ext>
     </p:extLst>
   </p:cSld>
@@ -7599,7 +5114,7 @@
       </p:sp>
       <p:sp>
         <p:nvSpPr>
-          <p:cNvPr id="5" name="Content Placeholder 2"/>
+          <p:cNvPr id="6" name="Content Placeholder 2"/>
           <p:cNvSpPr txBox="1">
             <a:spLocks/>
           </p:cNvSpPr>
@@ -7783,121 +5298,22 @@
             </a:lvl9pPr>
           </a:lstStyle>
           <a:p>
-            <a:pPr marL="0" indent="0">
-              <a:buNone/>
+            <a:pPr>
+              <a:buFontTx/>
+              <a:buChar char="-"/>
             </a:pPr>
             <a:r>
-              <a:rPr lang="es-CL" b="1" u="sng" dirty="0" smtClean="0"/>
-              <a:t>Tratamiento interrumpido:</a:t>
-            </a:r>
-            <a:r>
               <a:rPr lang="es-CL" dirty="0" smtClean="0"/>
-              <a:t> Los pacientes son tratados en forma grupal y a veces en forma no grupal, en un % similar de casos</a:t>
-            </a:r>
-            <a:endParaRPr lang="es-CL" b="1" u="sng" dirty="0"/>
-          </a:p>
-        </p:txBody>
-      </p:sp>
-      <mc:AlternateContent xmlns:mc="http://schemas.openxmlformats.org/markup-compatibility/2006" xmlns:a14="http://schemas.microsoft.com/office/drawing/2010/main">
-        <mc:Choice Requires="a14">
-          <p:sp>
-            <p:nvSpPr>
-              <p:cNvPr id="4" name="3 CuadroTexto"/>
-              <p:cNvSpPr txBox="1"/>
-              <p:nvPr/>
-            </p:nvSpPr>
-            <p:spPr>
-              <a:xfrm>
-                <a:off x="3234358" y="3999037"/>
-                <a:ext cx="2675284" cy="461665"/>
-              </a:xfrm>
-              <a:prstGeom prst="rect">
-                <a:avLst/>
-              </a:prstGeom>
-              <a:noFill/>
-            </p:spPr>
-            <p:txBody>
-              <a:bodyPr wrap="none" rtlCol="0">
-                <a:spAutoFit/>
-              </a:bodyPr>
-              <a:lstStyle/>
-              <a:p>
-                <a:pPr/>
-                <a14:m>
-                  <m:oMathPara xmlns:m="http://schemas.openxmlformats.org/officeDocument/2006/math">
-                    <m:oMathParaPr>
-                      <m:jc m:val="centerGroup"/>
-                    </m:oMathParaPr>
-                    <m:oMath xmlns:m="http://schemas.openxmlformats.org/officeDocument/2006/math">
-                      <m:r>
-                        <a:rPr lang="en-US" sz="2400" b="0" i="1" smtClean="0">
-                          <a:latin typeface="Cambria Math"/>
-                        </a:rPr>
-                        <m:t>30%&lt;</m:t>
-                      </m:r>
-                      <m:r>
-                        <a:rPr lang="es-CL" sz="2400" b="0" i="1" smtClean="0">
-                          <a:latin typeface="Cambria Math"/>
-                        </a:rPr>
-                        <m:t>𝑇𝐺</m:t>
-                      </m:r>
-                      <m:r>
-                        <a:rPr lang="en-US" sz="2400" b="0" i="1" smtClean="0">
-                          <a:latin typeface="Cambria Math"/>
-                        </a:rPr>
-                        <m:t>&lt;70%</m:t>
-                      </m:r>
-                    </m:oMath>
-                  </m:oMathPara>
-                </a14:m>
-                <a:endParaRPr lang="es-CL" sz="2400" dirty="0"/>
-              </a:p>
-            </p:txBody>
-          </p:sp>
-        </mc:Choice>
-        <mc:Fallback xmlns="">
-          <p:sp>
-            <p:nvSpPr>
-              <p:cNvPr id="4" name="3 CuadroTexto"/>
-              <p:cNvSpPr txBox="1">
-                <a:spLocks noRot="1" noChangeAspect="1" noMove="1" noResize="1" noEditPoints="1" noAdjustHandles="1" noChangeArrowheads="1" noChangeShapeType="1" noTextEdit="1"/>
-              </p:cNvSpPr>
-              <p:nvPr/>
-            </p:nvSpPr>
-            <p:spPr>
-              <a:xfrm>
-                <a:off x="3234358" y="3999037"/>
-                <a:ext cx="2675284" cy="461665"/>
-              </a:xfrm>
-              <a:prstGeom prst="rect">
-                <a:avLst/>
-              </a:prstGeom>
-              <a:blipFill rotWithShape="1">
-                <a:blip r:embed="rId3"/>
-                <a:stretch>
-                  <a:fillRect/>
-                </a:stretch>
-              </a:blipFill>
-            </p:spPr>
-            <p:txBody>
-              <a:bodyPr/>
-              <a:lstStyle/>
-              <a:p>
-                <a:r>
-                  <a:rPr lang="es-CL">
-                    <a:noFill/>
-                  </a:rPr>
-                  <a:t> </a:t>
-                </a:r>
-              </a:p>
-            </p:txBody>
-          </p:sp>
-        </mc:Fallback>
-      </mc:AlternateContent>
+              <a:t>Excel adjunto</a:t>
+            </a:r>
+            <a:endParaRPr lang="es-CL" dirty="0"/>
+          </a:p>
+        </p:txBody>
+      </p:sp>
     </p:spTree>
     <p:extLst>
       <p:ext uri="{BB962C8B-B14F-4D97-AF65-F5344CB8AC3E}">
-        <p14:creationId xmlns:p14="http://schemas.microsoft.com/office/powerpoint/2010/main" val="1972064295"/>
+        <p14:creationId xmlns:p14="http://schemas.microsoft.com/office/powerpoint/2010/main" val="1960194967"/>
       </p:ext>
     </p:extLst>
   </p:cSld>
@@ -7973,380 +5389,6 @@
           </a:p>
         </p:txBody>
       </p:sp>
-      <p:sp>
-        <p:nvSpPr>
-          <p:cNvPr id="5" name="Content Placeholder 2"/>
-          <p:cNvSpPr txBox="1">
-            <a:spLocks/>
-          </p:cNvSpPr>
-          <p:nvPr/>
-        </p:nvSpPr>
-        <p:spPr>
-          <a:xfrm>
-            <a:off x="628650" y="1857709"/>
-            <a:ext cx="7886700" cy="4351338"/>
-          </a:xfrm>
-          <a:prstGeom prst="rect">
-            <a:avLst/>
-          </a:prstGeom>
-        </p:spPr>
-        <p:txBody>
-          <a:bodyPr vert="horz" lIns="91440" tIns="45720" rIns="91440" bIns="45720" rtlCol="0">
-            <a:normAutofit/>
-          </a:bodyPr>
-          <a:lstStyle>
-            <a:lvl1pPr marL="228600" indent="-228600" algn="l" defTabSz="914400" rtl="0" eaLnBrk="1" latinLnBrk="0" hangingPunct="1">
-              <a:lnSpc>
-                <a:spcPct val="90000"/>
-              </a:lnSpc>
-              <a:spcBef>
-                <a:spcPts val="1000"/>
-              </a:spcBef>
-              <a:buFont typeface="Arial" panose="020B0604020202020204" pitchFamily="34" charset="0"/>
-              <a:buChar char="•"/>
-              <a:defRPr sz="2800" kern="1200">
-                <a:solidFill>
-                  <a:schemeClr val="tx1"/>
-                </a:solidFill>
-                <a:latin typeface="+mn-lt"/>
-                <a:ea typeface="+mn-ea"/>
-                <a:cs typeface="+mn-cs"/>
-              </a:defRPr>
-            </a:lvl1pPr>
-            <a:lvl2pPr marL="685800" indent="-228600" algn="l" defTabSz="914400" rtl="0" eaLnBrk="1" latinLnBrk="0" hangingPunct="1">
-              <a:lnSpc>
-                <a:spcPct val="90000"/>
-              </a:lnSpc>
-              <a:spcBef>
-                <a:spcPts val="500"/>
-              </a:spcBef>
-              <a:buFont typeface="Arial" panose="020B0604020202020204" pitchFamily="34" charset="0"/>
-              <a:buChar char="•"/>
-              <a:defRPr sz="2400" kern="1200">
-                <a:solidFill>
-                  <a:schemeClr val="tx1"/>
-                </a:solidFill>
-                <a:latin typeface="+mn-lt"/>
-                <a:ea typeface="+mn-ea"/>
-                <a:cs typeface="+mn-cs"/>
-              </a:defRPr>
-            </a:lvl2pPr>
-            <a:lvl3pPr marL="1143000" indent="-228600" algn="l" defTabSz="914400" rtl="0" eaLnBrk="1" latinLnBrk="0" hangingPunct="1">
-              <a:lnSpc>
-                <a:spcPct val="90000"/>
-              </a:lnSpc>
-              <a:spcBef>
-                <a:spcPts val="500"/>
-              </a:spcBef>
-              <a:buFont typeface="Arial" panose="020B0604020202020204" pitchFamily="34" charset="0"/>
-              <a:buChar char="•"/>
-              <a:defRPr sz="2000" kern="1200">
-                <a:solidFill>
-                  <a:schemeClr val="tx1"/>
-                </a:solidFill>
-                <a:latin typeface="+mn-lt"/>
-                <a:ea typeface="+mn-ea"/>
-                <a:cs typeface="+mn-cs"/>
-              </a:defRPr>
-            </a:lvl3pPr>
-            <a:lvl4pPr marL="1600200" indent="-228600" algn="l" defTabSz="914400" rtl="0" eaLnBrk="1" latinLnBrk="0" hangingPunct="1">
-              <a:lnSpc>
-                <a:spcPct val="90000"/>
-              </a:lnSpc>
-              <a:spcBef>
-                <a:spcPts val="500"/>
-              </a:spcBef>
-              <a:buFont typeface="Arial" panose="020B0604020202020204" pitchFamily="34" charset="0"/>
-              <a:buChar char="•"/>
-              <a:defRPr sz="1800" kern="1200">
-                <a:solidFill>
-                  <a:schemeClr val="tx1"/>
-                </a:solidFill>
-                <a:latin typeface="+mn-lt"/>
-                <a:ea typeface="+mn-ea"/>
-                <a:cs typeface="+mn-cs"/>
-              </a:defRPr>
-            </a:lvl4pPr>
-            <a:lvl5pPr marL="2057400" indent="-228600" algn="l" defTabSz="914400" rtl="0" eaLnBrk="1" latinLnBrk="0" hangingPunct="1">
-              <a:lnSpc>
-                <a:spcPct val="90000"/>
-              </a:lnSpc>
-              <a:spcBef>
-                <a:spcPts val="500"/>
-              </a:spcBef>
-              <a:buFont typeface="Arial" panose="020B0604020202020204" pitchFamily="34" charset="0"/>
-              <a:buChar char="•"/>
-              <a:defRPr sz="1800" kern="1200">
-                <a:solidFill>
-                  <a:schemeClr val="tx1"/>
-                </a:solidFill>
-                <a:latin typeface="+mn-lt"/>
-                <a:ea typeface="+mn-ea"/>
-                <a:cs typeface="+mn-cs"/>
-              </a:defRPr>
-            </a:lvl5pPr>
-            <a:lvl6pPr marL="2514600" indent="-228600" algn="l" defTabSz="914400" rtl="0" eaLnBrk="1" latinLnBrk="0" hangingPunct="1">
-              <a:lnSpc>
-                <a:spcPct val="90000"/>
-              </a:lnSpc>
-              <a:spcBef>
-                <a:spcPts val="500"/>
-              </a:spcBef>
-              <a:buFont typeface="Arial" panose="020B0604020202020204" pitchFamily="34" charset="0"/>
-              <a:buChar char="•"/>
-              <a:defRPr sz="1800" kern="1200">
-                <a:solidFill>
-                  <a:schemeClr val="tx1"/>
-                </a:solidFill>
-                <a:latin typeface="+mn-lt"/>
-                <a:ea typeface="+mn-ea"/>
-                <a:cs typeface="+mn-cs"/>
-              </a:defRPr>
-            </a:lvl6pPr>
-            <a:lvl7pPr marL="2971800" indent="-228600" algn="l" defTabSz="914400" rtl="0" eaLnBrk="1" latinLnBrk="0" hangingPunct="1">
-              <a:lnSpc>
-                <a:spcPct val="90000"/>
-              </a:lnSpc>
-              <a:spcBef>
-                <a:spcPts val="500"/>
-              </a:spcBef>
-              <a:buFont typeface="Arial" panose="020B0604020202020204" pitchFamily="34" charset="0"/>
-              <a:buChar char="•"/>
-              <a:defRPr sz="1800" kern="1200">
-                <a:solidFill>
-                  <a:schemeClr val="tx1"/>
-                </a:solidFill>
-                <a:latin typeface="+mn-lt"/>
-                <a:ea typeface="+mn-ea"/>
-                <a:cs typeface="+mn-cs"/>
-              </a:defRPr>
-            </a:lvl7pPr>
-            <a:lvl8pPr marL="3429000" indent="-228600" algn="l" defTabSz="914400" rtl="0" eaLnBrk="1" latinLnBrk="0" hangingPunct="1">
-              <a:lnSpc>
-                <a:spcPct val="90000"/>
-              </a:lnSpc>
-              <a:spcBef>
-                <a:spcPts val="500"/>
-              </a:spcBef>
-              <a:buFont typeface="Arial" panose="020B0604020202020204" pitchFamily="34" charset="0"/>
-              <a:buChar char="•"/>
-              <a:defRPr sz="1800" kern="1200">
-                <a:solidFill>
-                  <a:schemeClr val="tx1"/>
-                </a:solidFill>
-                <a:latin typeface="+mn-lt"/>
-                <a:ea typeface="+mn-ea"/>
-                <a:cs typeface="+mn-cs"/>
-              </a:defRPr>
-            </a:lvl8pPr>
-            <a:lvl9pPr marL="3886200" indent="-228600" algn="l" defTabSz="914400" rtl="0" eaLnBrk="1" latinLnBrk="0" hangingPunct="1">
-              <a:lnSpc>
-                <a:spcPct val="90000"/>
-              </a:lnSpc>
-              <a:spcBef>
-                <a:spcPts val="500"/>
-              </a:spcBef>
-              <a:buFont typeface="Arial" panose="020B0604020202020204" pitchFamily="34" charset="0"/>
-              <a:buChar char="•"/>
-              <a:defRPr sz="1800" kern="1200">
-                <a:solidFill>
-                  <a:schemeClr val="tx1"/>
-                </a:solidFill>
-                <a:latin typeface="+mn-lt"/>
-                <a:ea typeface="+mn-ea"/>
-                <a:cs typeface="+mn-cs"/>
-              </a:defRPr>
-            </a:lvl9pPr>
-          </a:lstStyle>
-          <a:p>
-            <a:pPr marL="0" indent="0">
-              <a:buNone/>
-            </a:pPr>
-            <a:r>
-              <a:rPr lang="es-CL" b="1" u="sng" dirty="0" smtClean="0"/>
-              <a:t>Tratamiento participativo:</a:t>
-            </a:r>
-            <a:r>
-              <a:rPr lang="es-CL" dirty="0" smtClean="0"/>
-              <a:t> En la mayoría del tiempo de tratamiento, los pacientes son tratados por un grupo de profesionales</a:t>
-            </a:r>
-            <a:endParaRPr lang="es-CL" b="1" u="sng" dirty="0" smtClean="0"/>
-          </a:p>
-          <a:p>
-            <a:pPr marL="0" indent="0">
-              <a:buNone/>
-            </a:pPr>
-            <a:endParaRPr lang="en-US" dirty="0" smtClean="0"/>
-          </a:p>
-        </p:txBody>
-      </p:sp>
-      <mc:AlternateContent xmlns:mc="http://schemas.openxmlformats.org/markup-compatibility/2006" xmlns:a14="http://schemas.microsoft.com/office/drawing/2010/main">
-        <mc:Choice Requires="a14">
-          <p:sp>
-            <p:nvSpPr>
-              <p:cNvPr id="4" name="3 CuadroTexto"/>
-              <p:cNvSpPr txBox="1"/>
-              <p:nvPr/>
-            </p:nvSpPr>
-            <p:spPr>
-              <a:xfrm>
-                <a:off x="3826635" y="3896214"/>
-                <a:ext cx="1490729" cy="461665"/>
-              </a:xfrm>
-              <a:prstGeom prst="rect">
-                <a:avLst/>
-              </a:prstGeom>
-              <a:noFill/>
-            </p:spPr>
-            <p:txBody>
-              <a:bodyPr wrap="none" rtlCol="0">
-                <a:spAutoFit/>
-              </a:bodyPr>
-              <a:lstStyle/>
-              <a:p>
-                <a:r>
-                  <a:rPr lang="en-US" sz="2400" b="0" dirty="0" smtClean="0"/>
-                  <a:t>70% </a:t>
-                </a:r>
-                <a14:m>
-                  <m:oMath xmlns:m="http://schemas.openxmlformats.org/officeDocument/2006/math">
-                    <m:r>
-                      <a:rPr lang="en-US" sz="2400" b="0" i="1" smtClean="0">
-                        <a:latin typeface="Cambria Math"/>
-                      </a:rPr>
-                      <m:t>&lt;</m:t>
-                    </m:r>
-                    <m:r>
-                      <a:rPr lang="en-US" sz="2400" b="0" i="1" smtClean="0">
-                        <a:latin typeface="Cambria Math"/>
-                      </a:rPr>
-                      <m:t>𝑇𝐺</m:t>
-                    </m:r>
-                  </m:oMath>
-                </a14:m>
-                <a:endParaRPr lang="es-CL" sz="2400" dirty="0"/>
-              </a:p>
-            </p:txBody>
-          </p:sp>
-        </mc:Choice>
-        <mc:Fallback xmlns="">
-          <p:sp>
-            <p:nvSpPr>
-              <p:cNvPr id="4" name="3 CuadroTexto"/>
-              <p:cNvSpPr txBox="1">
-                <a:spLocks noRot="1" noChangeAspect="1" noMove="1" noResize="1" noEditPoints="1" noAdjustHandles="1" noChangeArrowheads="1" noChangeShapeType="1" noTextEdit="1"/>
-              </p:cNvSpPr>
-              <p:nvPr/>
-            </p:nvSpPr>
-            <p:spPr>
-              <a:xfrm>
-                <a:off x="3826635" y="3896214"/>
-                <a:ext cx="1490729" cy="461665"/>
-              </a:xfrm>
-              <a:prstGeom prst="rect">
-                <a:avLst/>
-              </a:prstGeom>
-              <a:blipFill rotWithShape="1">
-                <a:blip r:embed="rId3"/>
-                <a:stretch>
-                  <a:fillRect l="-6557" t="-10526" b="-28947"/>
-                </a:stretch>
-              </a:blipFill>
-            </p:spPr>
-            <p:txBody>
-              <a:bodyPr/>
-              <a:lstStyle/>
-              <a:p>
-                <a:r>
-                  <a:rPr lang="es-CL">
-                    <a:noFill/>
-                  </a:rPr>
-                  <a:t> </a:t>
-                </a:r>
-              </a:p>
-            </p:txBody>
-          </p:sp>
-        </mc:Fallback>
-      </mc:AlternateContent>
-    </p:spTree>
-    <p:extLst>
-      <p:ext uri="{BB962C8B-B14F-4D97-AF65-F5344CB8AC3E}">
-        <p14:creationId xmlns:p14="http://schemas.microsoft.com/office/powerpoint/2010/main" val="2669329154"/>
-      </p:ext>
-    </p:extLst>
-  </p:cSld>
-  <p:clrMapOvr>
-    <a:masterClrMapping/>
-  </p:clrMapOvr>
-  <p:timing>
-    <p:tnLst>
-      <p:par>
-        <p:cTn id="1" dur="indefinite" restart="never" nodeType="tmRoot"/>
-      </p:par>
-    </p:tnLst>
-  </p:timing>
-</p:sld>
-</file>
-
-<file path=ppt/slides/slide7.xml><?xml version="1.0" encoding="utf-8"?>
-<p:sld xmlns:a="http://schemas.openxmlformats.org/drawingml/2006/main" xmlns:r="http://schemas.openxmlformats.org/officeDocument/2006/relationships" xmlns:p="http://schemas.openxmlformats.org/presentationml/2006/main">
-  <p:cSld>
-    <p:spTree>
-      <p:nvGrpSpPr>
-        <p:cNvPr id="1" name=""/>
-        <p:cNvGrpSpPr/>
-        <p:nvPr/>
-      </p:nvGrpSpPr>
-      <p:grpSpPr>
-        <a:xfrm>
-          <a:off x="0" y="0"/>
-          <a:ext cx="0" cy="0"/>
-          <a:chOff x="0" y="0"/>
-          <a:chExt cx="0" cy="0"/>
-        </a:xfrm>
-      </p:grpSpPr>
-      <p:sp>
-        <p:nvSpPr>
-          <p:cNvPr id="2" name="Title 1"/>
-          <p:cNvSpPr>
-            <a:spLocks noGrp="1"/>
-          </p:cNvSpPr>
-          <p:nvPr>
-            <p:ph type="title"/>
-          </p:nvPr>
-        </p:nvSpPr>
-        <p:spPr>
-          <a:xfrm>
-            <a:off x="628650" y="349085"/>
-            <a:ext cx="7886700" cy="1325563"/>
-          </a:xfrm>
-        </p:spPr>
-        <p:txBody>
-          <a:bodyPr>
-            <a:normAutofit/>
-          </a:bodyPr>
-          <a:lstStyle/>
-          <a:p>
-            <a:r>
-              <a:rPr lang="es-CL" b="1" dirty="0" err="1" smtClean="0">
-                <a:solidFill>
-                  <a:schemeClr val="accent1">
-                    <a:lumMod val="75000"/>
-                  </a:schemeClr>
-                </a:solidFill>
-              </a:rPr>
-              <a:t>Results</a:t>
-            </a:r>
-            <a:endParaRPr lang="es-CL" sz="4000" b="1" dirty="0">
-              <a:solidFill>
-                <a:schemeClr val="accent1">
-                  <a:lumMod val="75000"/>
-                </a:schemeClr>
-              </a:solidFill>
-            </a:endParaRPr>
-          </a:p>
-        </p:txBody>
-      </p:sp>
       <p:graphicFrame>
         <p:nvGraphicFramePr>
           <p:cNvPr id="6" name="5 Tabla"/>
@@ -8356,7 +5398,7 @@
           <p:nvPr>
             <p:extLst>
               <p:ext uri="{D42A27DB-BD31-4B8C-83A1-F6EECF244321}">
-                <p14:modId xmlns:p14="http://schemas.microsoft.com/office/powerpoint/2010/main" val="1159830165"/>
+                <p14:modId xmlns:p14="http://schemas.microsoft.com/office/powerpoint/2010/main" val="2499461672"/>
               </p:ext>
             </p:extLst>
           </p:nvPr>
@@ -8750,801 +5792,7 @@
     </p:spTree>
     <p:extLst>
       <p:ext uri="{BB962C8B-B14F-4D97-AF65-F5344CB8AC3E}">
-        <p14:creationId xmlns:p14="http://schemas.microsoft.com/office/powerpoint/2010/main" val="1907341124"/>
-      </p:ext>
-    </p:extLst>
-  </p:cSld>
-  <p:clrMapOvr>
-    <a:masterClrMapping/>
-  </p:clrMapOvr>
-  <p:timing>
-    <p:tnLst>
-      <p:par>
-        <p:cTn id="1" dur="indefinite" restart="never" nodeType="tmRoot"/>
-      </p:par>
-    </p:tnLst>
-  </p:timing>
-</p:sld>
-</file>
-
-<file path=ppt/slides/slide8.xml><?xml version="1.0" encoding="utf-8"?>
-<p:sld xmlns:a="http://schemas.openxmlformats.org/drawingml/2006/main" xmlns:r="http://schemas.openxmlformats.org/officeDocument/2006/relationships" xmlns:p="http://schemas.openxmlformats.org/presentationml/2006/main">
-  <p:cSld>
-    <p:spTree>
-      <p:nvGrpSpPr>
-        <p:cNvPr id="1" name=""/>
-        <p:cNvGrpSpPr/>
-        <p:nvPr/>
-      </p:nvGrpSpPr>
-      <p:grpSpPr>
-        <a:xfrm>
-          <a:off x="0" y="0"/>
-          <a:ext cx="0" cy="0"/>
-          <a:chOff x="0" y="0"/>
-          <a:chExt cx="0" cy="0"/>
-        </a:xfrm>
-      </p:grpSpPr>
-      <p:sp>
-        <p:nvSpPr>
-          <p:cNvPr id="2" name="Title 1"/>
-          <p:cNvSpPr>
-            <a:spLocks noGrp="1"/>
-          </p:cNvSpPr>
-          <p:nvPr>
-            <p:ph type="title"/>
-          </p:nvPr>
-        </p:nvSpPr>
-        <p:spPr>
-          <a:xfrm>
-            <a:off x="628650" y="349085"/>
-            <a:ext cx="7886700" cy="1325563"/>
-          </a:xfrm>
-        </p:spPr>
-        <p:txBody>
-          <a:bodyPr>
-            <a:normAutofit/>
-          </a:bodyPr>
-          <a:lstStyle/>
-          <a:p>
-            <a:r>
-              <a:rPr lang="es-CL" b="1" dirty="0" smtClean="0">
-                <a:solidFill>
-                  <a:schemeClr val="accent1">
-                    <a:lumMod val="75000"/>
-                  </a:schemeClr>
-                </a:solidFill>
-              </a:rPr>
-              <a:t>Trabajo Nicolás</a:t>
-            </a:r>
-            <a:endParaRPr lang="es-CL" sz="4000" b="1" dirty="0">
-              <a:solidFill>
-                <a:schemeClr val="accent1">
-                  <a:lumMod val="75000"/>
-                </a:schemeClr>
-              </a:solidFill>
-            </a:endParaRPr>
-          </a:p>
-        </p:txBody>
-      </p:sp>
-      <p:sp>
-        <p:nvSpPr>
-          <p:cNvPr id="5" name="Content Placeholder 2"/>
-          <p:cNvSpPr txBox="1">
-            <a:spLocks/>
-          </p:cNvSpPr>
-          <p:nvPr/>
-        </p:nvSpPr>
-        <p:spPr>
-          <a:xfrm>
-            <a:off x="628650" y="1857709"/>
-            <a:ext cx="7886700" cy="4351338"/>
-          </a:xfrm>
-          <a:prstGeom prst="rect">
-            <a:avLst/>
-          </a:prstGeom>
-        </p:spPr>
-        <p:txBody>
-          <a:bodyPr vert="horz" lIns="91440" tIns="45720" rIns="91440" bIns="45720" rtlCol="0">
-            <a:normAutofit/>
-          </a:bodyPr>
-          <a:lstStyle>
-            <a:lvl1pPr marL="228600" indent="-228600" algn="l" defTabSz="914400" rtl="0" eaLnBrk="1" latinLnBrk="0" hangingPunct="1">
-              <a:lnSpc>
-                <a:spcPct val="90000"/>
-              </a:lnSpc>
-              <a:spcBef>
-                <a:spcPts val="1000"/>
-              </a:spcBef>
-              <a:buFont typeface="Arial" panose="020B0604020202020204" pitchFamily="34" charset="0"/>
-              <a:buChar char="•"/>
-              <a:defRPr sz="2800" kern="1200">
-                <a:solidFill>
-                  <a:schemeClr val="tx1"/>
-                </a:solidFill>
-                <a:latin typeface="+mn-lt"/>
-                <a:ea typeface="+mn-ea"/>
-                <a:cs typeface="+mn-cs"/>
-              </a:defRPr>
-            </a:lvl1pPr>
-            <a:lvl2pPr marL="685800" indent="-228600" algn="l" defTabSz="914400" rtl="0" eaLnBrk="1" latinLnBrk="0" hangingPunct="1">
-              <a:lnSpc>
-                <a:spcPct val="90000"/>
-              </a:lnSpc>
-              <a:spcBef>
-                <a:spcPts val="500"/>
-              </a:spcBef>
-              <a:buFont typeface="Arial" panose="020B0604020202020204" pitchFamily="34" charset="0"/>
-              <a:buChar char="•"/>
-              <a:defRPr sz="2400" kern="1200">
-                <a:solidFill>
-                  <a:schemeClr val="tx1"/>
-                </a:solidFill>
-                <a:latin typeface="+mn-lt"/>
-                <a:ea typeface="+mn-ea"/>
-                <a:cs typeface="+mn-cs"/>
-              </a:defRPr>
-            </a:lvl2pPr>
-            <a:lvl3pPr marL="1143000" indent="-228600" algn="l" defTabSz="914400" rtl="0" eaLnBrk="1" latinLnBrk="0" hangingPunct="1">
-              <a:lnSpc>
-                <a:spcPct val="90000"/>
-              </a:lnSpc>
-              <a:spcBef>
-                <a:spcPts val="500"/>
-              </a:spcBef>
-              <a:buFont typeface="Arial" panose="020B0604020202020204" pitchFamily="34" charset="0"/>
-              <a:buChar char="•"/>
-              <a:defRPr sz="2000" kern="1200">
-                <a:solidFill>
-                  <a:schemeClr val="tx1"/>
-                </a:solidFill>
-                <a:latin typeface="+mn-lt"/>
-                <a:ea typeface="+mn-ea"/>
-                <a:cs typeface="+mn-cs"/>
-              </a:defRPr>
-            </a:lvl3pPr>
-            <a:lvl4pPr marL="1600200" indent="-228600" algn="l" defTabSz="914400" rtl="0" eaLnBrk="1" latinLnBrk="0" hangingPunct="1">
-              <a:lnSpc>
-                <a:spcPct val="90000"/>
-              </a:lnSpc>
-              <a:spcBef>
-                <a:spcPts val="500"/>
-              </a:spcBef>
-              <a:buFont typeface="Arial" panose="020B0604020202020204" pitchFamily="34" charset="0"/>
-              <a:buChar char="•"/>
-              <a:defRPr sz="1800" kern="1200">
-                <a:solidFill>
-                  <a:schemeClr val="tx1"/>
-                </a:solidFill>
-                <a:latin typeface="+mn-lt"/>
-                <a:ea typeface="+mn-ea"/>
-                <a:cs typeface="+mn-cs"/>
-              </a:defRPr>
-            </a:lvl4pPr>
-            <a:lvl5pPr marL="2057400" indent="-228600" algn="l" defTabSz="914400" rtl="0" eaLnBrk="1" latinLnBrk="0" hangingPunct="1">
-              <a:lnSpc>
-                <a:spcPct val="90000"/>
-              </a:lnSpc>
-              <a:spcBef>
-                <a:spcPts val="500"/>
-              </a:spcBef>
-              <a:buFont typeface="Arial" panose="020B0604020202020204" pitchFamily="34" charset="0"/>
-              <a:buChar char="•"/>
-              <a:defRPr sz="1800" kern="1200">
-                <a:solidFill>
-                  <a:schemeClr val="tx1"/>
-                </a:solidFill>
-                <a:latin typeface="+mn-lt"/>
-                <a:ea typeface="+mn-ea"/>
-                <a:cs typeface="+mn-cs"/>
-              </a:defRPr>
-            </a:lvl5pPr>
-            <a:lvl6pPr marL="2514600" indent="-228600" algn="l" defTabSz="914400" rtl="0" eaLnBrk="1" latinLnBrk="0" hangingPunct="1">
-              <a:lnSpc>
-                <a:spcPct val="90000"/>
-              </a:lnSpc>
-              <a:spcBef>
-                <a:spcPts val="500"/>
-              </a:spcBef>
-              <a:buFont typeface="Arial" panose="020B0604020202020204" pitchFamily="34" charset="0"/>
-              <a:buChar char="•"/>
-              <a:defRPr sz="1800" kern="1200">
-                <a:solidFill>
-                  <a:schemeClr val="tx1"/>
-                </a:solidFill>
-                <a:latin typeface="+mn-lt"/>
-                <a:ea typeface="+mn-ea"/>
-                <a:cs typeface="+mn-cs"/>
-              </a:defRPr>
-            </a:lvl6pPr>
-            <a:lvl7pPr marL="2971800" indent="-228600" algn="l" defTabSz="914400" rtl="0" eaLnBrk="1" latinLnBrk="0" hangingPunct="1">
-              <a:lnSpc>
-                <a:spcPct val="90000"/>
-              </a:lnSpc>
-              <a:spcBef>
-                <a:spcPts val="500"/>
-              </a:spcBef>
-              <a:buFont typeface="Arial" panose="020B0604020202020204" pitchFamily="34" charset="0"/>
-              <a:buChar char="•"/>
-              <a:defRPr sz="1800" kern="1200">
-                <a:solidFill>
-                  <a:schemeClr val="tx1"/>
-                </a:solidFill>
-                <a:latin typeface="+mn-lt"/>
-                <a:ea typeface="+mn-ea"/>
-                <a:cs typeface="+mn-cs"/>
-              </a:defRPr>
-            </a:lvl7pPr>
-            <a:lvl8pPr marL="3429000" indent="-228600" algn="l" defTabSz="914400" rtl="0" eaLnBrk="1" latinLnBrk="0" hangingPunct="1">
-              <a:lnSpc>
-                <a:spcPct val="90000"/>
-              </a:lnSpc>
-              <a:spcBef>
-                <a:spcPts val="500"/>
-              </a:spcBef>
-              <a:buFont typeface="Arial" panose="020B0604020202020204" pitchFamily="34" charset="0"/>
-              <a:buChar char="•"/>
-              <a:defRPr sz="1800" kern="1200">
-                <a:solidFill>
-                  <a:schemeClr val="tx1"/>
-                </a:solidFill>
-                <a:latin typeface="+mn-lt"/>
-                <a:ea typeface="+mn-ea"/>
-                <a:cs typeface="+mn-cs"/>
-              </a:defRPr>
-            </a:lvl8pPr>
-            <a:lvl9pPr marL="3886200" indent="-228600" algn="l" defTabSz="914400" rtl="0" eaLnBrk="1" latinLnBrk="0" hangingPunct="1">
-              <a:lnSpc>
-                <a:spcPct val="90000"/>
-              </a:lnSpc>
-              <a:spcBef>
-                <a:spcPts val="500"/>
-              </a:spcBef>
-              <a:buFont typeface="Arial" panose="020B0604020202020204" pitchFamily="34" charset="0"/>
-              <a:buChar char="•"/>
-              <a:defRPr sz="1800" kern="1200">
-                <a:solidFill>
-                  <a:schemeClr val="tx1"/>
-                </a:solidFill>
-                <a:latin typeface="+mn-lt"/>
-                <a:ea typeface="+mn-ea"/>
-                <a:cs typeface="+mn-cs"/>
-              </a:defRPr>
-            </a:lvl9pPr>
-          </a:lstStyle>
-          <a:p>
-            <a:pPr>
-              <a:buFontTx/>
-              <a:buChar char="-"/>
-            </a:pPr>
-            <a:r>
-              <a:rPr lang="es-CL" dirty="0" smtClean="0"/>
-              <a:t>Segmentación de clientes en base a evolución</a:t>
-            </a:r>
-          </a:p>
-          <a:p>
-            <a:pPr>
-              <a:buFontTx/>
-              <a:buChar char="-"/>
-            </a:pPr>
-            <a:r>
-              <a:rPr lang="es-CL" dirty="0" smtClean="0"/>
-              <a:t>Generación de test estadísticos para la comparación de evolución</a:t>
-            </a:r>
-          </a:p>
-          <a:p>
-            <a:pPr marL="0" indent="0">
-              <a:buNone/>
-            </a:pPr>
-            <a:endParaRPr lang="en-US" dirty="0" smtClean="0"/>
-          </a:p>
-        </p:txBody>
-      </p:sp>
-    </p:spTree>
-    <p:extLst>
-      <p:ext uri="{BB962C8B-B14F-4D97-AF65-F5344CB8AC3E}">
-        <p14:creationId xmlns:p14="http://schemas.microsoft.com/office/powerpoint/2010/main" val="3681935721"/>
-      </p:ext>
-    </p:extLst>
-  </p:cSld>
-  <p:clrMapOvr>
-    <a:masterClrMapping/>
-  </p:clrMapOvr>
-  <p:timing>
-    <p:tnLst>
-      <p:par>
-        <p:cTn id="1" dur="indefinite" restart="never" nodeType="tmRoot"/>
-      </p:par>
-    </p:tnLst>
-  </p:timing>
-</p:sld>
-</file>
-
-<file path=ppt/slides/slide9.xml><?xml version="1.0" encoding="utf-8"?>
-<p:sld xmlns:a="http://schemas.openxmlformats.org/drawingml/2006/main" xmlns:r="http://schemas.openxmlformats.org/officeDocument/2006/relationships" xmlns:p="http://schemas.openxmlformats.org/presentationml/2006/main">
-  <p:cSld>
-    <p:spTree>
-      <p:nvGrpSpPr>
-        <p:cNvPr id="1" name=""/>
-        <p:cNvGrpSpPr/>
-        <p:nvPr/>
-      </p:nvGrpSpPr>
-      <p:grpSpPr>
-        <a:xfrm>
-          <a:off x="0" y="0"/>
-          <a:ext cx="0" cy="0"/>
-          <a:chOff x="0" y="0"/>
-          <a:chExt cx="0" cy="0"/>
-        </a:xfrm>
-      </p:grpSpPr>
-      <p:graphicFrame>
-        <p:nvGraphicFramePr>
-          <p:cNvPr id="6" name="5 Tabla"/>
-          <p:cNvGraphicFramePr>
-            <a:graphicFrameLocks noGrp="1"/>
-          </p:cNvGraphicFramePr>
-          <p:nvPr>
-            <p:extLst>
-              <p:ext uri="{D42A27DB-BD31-4B8C-83A1-F6EECF244321}">
-                <p14:modId xmlns:p14="http://schemas.microsoft.com/office/powerpoint/2010/main" val="108308868"/>
-              </p:ext>
-            </p:extLst>
-          </p:nvPr>
-        </p:nvGraphicFramePr>
-        <p:xfrm>
-          <a:off x="504825" y="2819400"/>
-          <a:ext cx="8134350" cy="1623060"/>
-        </p:xfrm>
-        <a:graphic>
-          <a:graphicData uri="http://schemas.openxmlformats.org/drawingml/2006/table">
-            <a:tbl>
-              <a:tblPr>
-                <a:tableStyleId>{5C22544A-7EE6-4342-B048-85BDC9FD1C3A}</a:tableStyleId>
-              </a:tblPr>
-              <a:tblGrid>
-                <a:gridCol w="3076575"/>
-                <a:gridCol w="2327753"/>
-                <a:gridCol w="2730022"/>
-              </a:tblGrid>
-              <a:tr h="190500">
-                <a:tc>
-                  <a:txBody>
-                    <a:bodyPr/>
-                    <a:lstStyle/>
-                    <a:p>
-                      <a:pPr algn="ctr" fontAlgn="b"/>
-                      <a:r>
-                        <a:rPr lang="es-CL" sz="2600" b="0" i="0" u="none" strike="noStrike" dirty="0">
-                          <a:solidFill>
-                            <a:srgbClr val="000000"/>
-                          </a:solidFill>
-                          <a:effectLst/>
-                          <a:latin typeface="Calibri"/>
-                        </a:rPr>
-                        <a:t> </a:t>
-                      </a:r>
-                      <a:r>
-                        <a:rPr lang="es-CL" sz="2600" b="0" i="0" u="none" strike="noStrike" dirty="0" smtClean="0">
-                          <a:solidFill>
-                            <a:srgbClr val="000000"/>
-                          </a:solidFill>
-                          <a:effectLst/>
-                          <a:latin typeface="Calibri"/>
-                        </a:rPr>
-                        <a:t>Segmento</a:t>
-                      </a:r>
-                      <a:endParaRPr lang="es-CL" sz="2600" b="0" i="0" u="none" strike="noStrike" dirty="0">
-                        <a:solidFill>
-                          <a:srgbClr val="000000"/>
-                        </a:solidFill>
-                        <a:effectLst/>
-                        <a:latin typeface="Calibri"/>
-                      </a:endParaRPr>
-                    </a:p>
-                  </a:txBody>
-                  <a:tcPr marL="9525" marR="9525" marT="9525" marB="0" anchor="b">
-                    <a:solidFill>
-                      <a:schemeClr val="bg1">
-                        <a:lumMod val="85000"/>
-                      </a:schemeClr>
-                    </a:solidFill>
-                  </a:tcPr>
-                </a:tc>
-                <a:tc>
-                  <a:txBody>
-                    <a:bodyPr/>
-                    <a:lstStyle/>
-                    <a:p>
-                      <a:pPr algn="ctr" fontAlgn="b"/>
-                      <a:r>
-                        <a:rPr lang="es-CL" sz="2600" b="0" i="0" u="none" strike="noStrike" dirty="0">
-                          <a:solidFill>
-                            <a:srgbClr val="000000"/>
-                          </a:solidFill>
-                          <a:effectLst/>
-                          <a:latin typeface="Calibri"/>
-                        </a:rPr>
-                        <a:t>Compensado</a:t>
-                      </a:r>
-                    </a:p>
-                  </a:txBody>
-                  <a:tcPr marL="9525" marR="9525" marT="9525" marB="0" anchor="b">
-                    <a:solidFill>
-                      <a:schemeClr val="bg1">
-                        <a:lumMod val="85000"/>
-                      </a:schemeClr>
-                    </a:solidFill>
-                  </a:tcPr>
-                </a:tc>
-                <a:tc>
-                  <a:txBody>
-                    <a:bodyPr/>
-                    <a:lstStyle/>
-                    <a:p>
-                      <a:pPr algn="ctr" fontAlgn="b"/>
-                      <a:r>
-                        <a:rPr lang="es-CL" sz="2600" b="0" i="0" u="none" strike="noStrike" dirty="0" smtClean="0">
-                          <a:solidFill>
-                            <a:srgbClr val="000000"/>
-                          </a:solidFill>
-                          <a:effectLst/>
-                          <a:latin typeface="Calibri"/>
-                        </a:rPr>
-                        <a:t>Pacientes</a:t>
-                      </a:r>
-                      <a:endParaRPr lang="es-CL" sz="2600" b="0" i="0" u="none" strike="noStrike" dirty="0">
-                        <a:solidFill>
-                          <a:srgbClr val="000000"/>
-                        </a:solidFill>
-                        <a:effectLst/>
-                        <a:latin typeface="Calibri"/>
-                      </a:endParaRPr>
-                    </a:p>
-                  </a:txBody>
-                  <a:tcPr marL="9525" marR="9525" marT="9525" marB="0" anchor="b">
-                    <a:solidFill>
-                      <a:schemeClr val="bg1">
-                        <a:lumMod val="85000"/>
-                      </a:schemeClr>
-                    </a:solidFill>
-                  </a:tcPr>
-                </a:tc>
-              </a:tr>
-              <a:tr h="190500">
-                <a:tc>
-                  <a:txBody>
-                    <a:bodyPr/>
-                    <a:lstStyle/>
-                    <a:p>
-                      <a:pPr algn="ctr" fontAlgn="b"/>
-                      <a:r>
-                        <a:rPr lang="es-CL" sz="2600" b="0" i="0" u="none" strike="noStrike">
-                          <a:solidFill>
-                            <a:srgbClr val="000000"/>
-                          </a:solidFill>
-                          <a:effectLst/>
-                          <a:latin typeface="Calibri"/>
-                        </a:rPr>
-                        <a:t>Delegador</a:t>
-                      </a:r>
-                    </a:p>
-                  </a:txBody>
-                  <a:tcPr marL="9525" marR="9525" marT="9525" marB="0" anchor="b">
-                    <a:solidFill>
-                      <a:schemeClr val="tx2">
-                        <a:lumMod val="40000"/>
-                        <a:lumOff val="60000"/>
-                      </a:schemeClr>
-                    </a:solidFill>
-                  </a:tcPr>
-                </a:tc>
-                <a:tc>
-                  <a:txBody>
-                    <a:bodyPr/>
-                    <a:lstStyle/>
-                    <a:p>
-                      <a:pPr algn="ctr" fontAlgn="b"/>
-                      <a:r>
-                        <a:rPr lang="es-CL" sz="2600" b="0" i="0" u="none" strike="noStrike">
-                          <a:solidFill>
-                            <a:srgbClr val="000000"/>
-                          </a:solidFill>
-                          <a:effectLst/>
-                          <a:latin typeface="Calibri"/>
-                        </a:rPr>
-                        <a:t>38%</a:t>
-                      </a:r>
-                    </a:p>
-                  </a:txBody>
-                  <a:tcPr marL="9525" marR="9525" marT="9525" marB="0" anchor="b">
-                    <a:solidFill>
-                      <a:schemeClr val="tx2">
-                        <a:lumMod val="40000"/>
-                        <a:lumOff val="60000"/>
-                      </a:schemeClr>
-                    </a:solidFill>
-                  </a:tcPr>
-                </a:tc>
-                <a:tc>
-                  <a:txBody>
-                    <a:bodyPr/>
-                    <a:lstStyle/>
-                    <a:p>
-                      <a:pPr algn="ctr" fontAlgn="b"/>
-                      <a:r>
-                        <a:rPr lang="es-CL" sz="2600" b="0" i="0" u="none" strike="noStrike" dirty="0" smtClean="0">
-                          <a:solidFill>
-                            <a:srgbClr val="000000"/>
-                          </a:solidFill>
-                          <a:effectLst/>
-                          <a:latin typeface="Calibri"/>
-                        </a:rPr>
-                        <a:t>182</a:t>
-                      </a:r>
-                      <a:endParaRPr lang="es-CL" sz="2600" b="0" i="0" u="none" strike="noStrike" dirty="0">
-                        <a:solidFill>
-                          <a:srgbClr val="000000"/>
-                        </a:solidFill>
-                        <a:effectLst/>
-                        <a:latin typeface="Calibri"/>
-                      </a:endParaRPr>
-                    </a:p>
-                  </a:txBody>
-                  <a:tcPr marL="9525" marR="9525" marT="9525" marB="0" anchor="b">
-                    <a:solidFill>
-                      <a:schemeClr val="tx2">
-                        <a:lumMod val="40000"/>
-                        <a:lumOff val="60000"/>
-                      </a:schemeClr>
-                    </a:solidFill>
-                  </a:tcPr>
-                </a:tc>
-              </a:tr>
-              <a:tr h="190500">
-                <a:tc>
-                  <a:txBody>
-                    <a:bodyPr/>
-                    <a:lstStyle/>
-                    <a:p>
-                      <a:pPr algn="ctr" fontAlgn="b"/>
-                      <a:r>
-                        <a:rPr lang="es-CL" sz="2600" b="0" i="0" u="none" strike="noStrike">
-                          <a:solidFill>
-                            <a:srgbClr val="000000"/>
-                          </a:solidFill>
-                          <a:effectLst/>
-                          <a:latin typeface="Calibri"/>
-                        </a:rPr>
-                        <a:t>Delegador reasig</a:t>
-                      </a:r>
-                    </a:p>
-                  </a:txBody>
-                  <a:tcPr marL="9525" marR="9525" marT="9525" marB="0" anchor="b">
-                    <a:solidFill>
-                      <a:schemeClr val="tx2">
-                        <a:lumMod val="40000"/>
-                        <a:lumOff val="60000"/>
-                      </a:schemeClr>
-                    </a:solidFill>
-                  </a:tcPr>
-                </a:tc>
-                <a:tc>
-                  <a:txBody>
-                    <a:bodyPr/>
-                    <a:lstStyle/>
-                    <a:p>
-                      <a:pPr algn="ctr" fontAlgn="b"/>
-                      <a:r>
-                        <a:rPr lang="es-CL" sz="2600" b="0" i="0" u="none" strike="noStrike" dirty="0">
-                          <a:solidFill>
-                            <a:srgbClr val="000000"/>
-                          </a:solidFill>
-                          <a:effectLst/>
-                          <a:latin typeface="Calibri"/>
-                        </a:rPr>
-                        <a:t>29%</a:t>
-                      </a:r>
-                    </a:p>
-                  </a:txBody>
-                  <a:tcPr marL="9525" marR="9525" marT="9525" marB="0" anchor="b">
-                    <a:solidFill>
-                      <a:schemeClr val="tx2">
-                        <a:lumMod val="40000"/>
-                        <a:lumOff val="60000"/>
-                      </a:schemeClr>
-                    </a:solidFill>
-                  </a:tcPr>
-                </a:tc>
-                <a:tc>
-                  <a:txBody>
-                    <a:bodyPr/>
-                    <a:lstStyle/>
-                    <a:p>
-                      <a:pPr algn="ctr" fontAlgn="b"/>
-                      <a:r>
-                        <a:rPr lang="es-CL" sz="2600" b="0" i="0" u="none" strike="noStrike" dirty="0" smtClean="0">
-                          <a:solidFill>
-                            <a:srgbClr val="000000"/>
-                          </a:solidFill>
-                          <a:effectLst/>
-                          <a:latin typeface="Calibri"/>
-                        </a:rPr>
-                        <a:t>171</a:t>
-                      </a:r>
-                      <a:endParaRPr lang="es-CL" sz="2600" b="0" i="0" u="none" strike="noStrike" dirty="0">
-                        <a:solidFill>
-                          <a:srgbClr val="000000"/>
-                        </a:solidFill>
-                        <a:effectLst/>
-                        <a:latin typeface="Calibri"/>
-                      </a:endParaRPr>
-                    </a:p>
-                  </a:txBody>
-                  <a:tcPr marL="9525" marR="9525" marT="9525" marB="0" anchor="b">
-                    <a:solidFill>
-                      <a:schemeClr val="tx2">
-                        <a:lumMod val="40000"/>
-                        <a:lumOff val="60000"/>
-                      </a:schemeClr>
-                    </a:solidFill>
-                  </a:tcPr>
-                </a:tc>
-              </a:tr>
-              <a:tr h="190500">
-                <a:tc>
-                  <a:txBody>
-                    <a:bodyPr/>
-                    <a:lstStyle/>
-                    <a:p>
-                      <a:pPr algn="ctr" fontAlgn="b"/>
-                      <a:r>
-                        <a:rPr lang="es-CL" sz="2600" b="0" i="0" u="none" strike="noStrike" dirty="0">
-                          <a:solidFill>
-                            <a:srgbClr val="000000"/>
-                          </a:solidFill>
-                          <a:effectLst/>
-                          <a:latin typeface="Calibri"/>
-                        </a:rPr>
-                        <a:t>Casual</a:t>
-                      </a:r>
-                    </a:p>
-                  </a:txBody>
-                  <a:tcPr marL="9525" marR="9525" marT="9525" marB="0" anchor="b">
-                    <a:solidFill>
-                      <a:schemeClr val="tx2">
-                        <a:lumMod val="40000"/>
-                        <a:lumOff val="60000"/>
-                      </a:schemeClr>
-                    </a:solidFill>
-                  </a:tcPr>
-                </a:tc>
-                <a:tc>
-                  <a:txBody>
-                    <a:bodyPr/>
-                    <a:lstStyle/>
-                    <a:p>
-                      <a:pPr algn="ctr" fontAlgn="b"/>
-                      <a:r>
-                        <a:rPr lang="es-CL" sz="2600" b="0" i="0" u="none" strike="noStrike" dirty="0">
-                          <a:solidFill>
-                            <a:srgbClr val="000000"/>
-                          </a:solidFill>
-                          <a:effectLst/>
-                          <a:latin typeface="Calibri"/>
-                        </a:rPr>
-                        <a:t>30%</a:t>
-                      </a:r>
-                    </a:p>
-                  </a:txBody>
-                  <a:tcPr marL="9525" marR="9525" marT="9525" marB="0" anchor="b">
-                    <a:solidFill>
-                      <a:schemeClr val="tx2">
-                        <a:lumMod val="40000"/>
-                        <a:lumOff val="60000"/>
-                      </a:schemeClr>
-                    </a:solidFill>
-                  </a:tcPr>
-                </a:tc>
-                <a:tc>
-                  <a:txBody>
-                    <a:bodyPr/>
-                    <a:lstStyle/>
-                    <a:p>
-                      <a:pPr algn="ctr" fontAlgn="b"/>
-                      <a:r>
-                        <a:rPr lang="es-CL" sz="2600" b="0" i="0" u="none" strike="noStrike" dirty="0" smtClean="0">
-                          <a:solidFill>
-                            <a:srgbClr val="000000"/>
-                          </a:solidFill>
-                          <a:effectLst/>
-                          <a:latin typeface="Calibri"/>
-                        </a:rPr>
-                        <a:t>116</a:t>
-                      </a:r>
-                      <a:endParaRPr lang="es-CL" sz="2600" b="0" i="0" u="none" strike="noStrike" dirty="0">
-                        <a:solidFill>
-                          <a:srgbClr val="000000"/>
-                        </a:solidFill>
-                        <a:effectLst/>
-                        <a:latin typeface="Calibri"/>
-                      </a:endParaRPr>
-                    </a:p>
-                  </a:txBody>
-                  <a:tcPr marL="9525" marR="9525" marT="9525" marB="0" anchor="b">
-                    <a:solidFill>
-                      <a:schemeClr val="tx2">
-                        <a:lumMod val="40000"/>
-                        <a:lumOff val="60000"/>
-                      </a:schemeClr>
-                    </a:solidFill>
-                  </a:tcPr>
-                </a:tc>
-              </a:tr>
-            </a:tbl>
-          </a:graphicData>
-        </a:graphic>
-      </p:graphicFrame>
-      <p:sp>
-        <p:nvSpPr>
-          <p:cNvPr id="5" name="Title 1"/>
-          <p:cNvSpPr txBox="1">
-            <a:spLocks/>
-          </p:cNvSpPr>
-          <p:nvPr/>
-        </p:nvSpPr>
-        <p:spPr>
-          <a:xfrm>
-            <a:off x="628650" y="349085"/>
-            <a:ext cx="7886700" cy="1325563"/>
-          </a:xfrm>
-          <a:prstGeom prst="rect">
-            <a:avLst/>
-          </a:prstGeom>
-        </p:spPr>
-        <p:txBody>
-          <a:bodyPr vert="horz" lIns="91440" tIns="45720" rIns="91440" bIns="45720" rtlCol="0" anchor="ctr">
-            <a:normAutofit/>
-          </a:bodyPr>
-          <a:lstStyle>
-            <a:lvl1pPr algn="ctr" defTabSz="914400" rtl="0" eaLnBrk="1" latinLnBrk="0" hangingPunct="1">
-              <a:spcBef>
-                <a:spcPct val="0"/>
-              </a:spcBef>
-              <a:buNone/>
-              <a:defRPr sz="4400" kern="1200">
-                <a:solidFill>
-                  <a:schemeClr val="tx1"/>
-                </a:solidFill>
-                <a:latin typeface="+mj-lt"/>
-                <a:ea typeface="+mj-ea"/>
-                <a:cs typeface="+mj-cs"/>
-              </a:defRPr>
-            </a:lvl1pPr>
-          </a:lstStyle>
-          <a:p>
-            <a:r>
-              <a:rPr lang="es-CL" b="1" smtClean="0">
-                <a:solidFill>
-                  <a:schemeClr val="accent1">
-                    <a:lumMod val="75000"/>
-                  </a:schemeClr>
-                </a:solidFill>
-              </a:rPr>
-              <a:t>Trabajo Nicolás</a:t>
-            </a:r>
-            <a:endParaRPr lang="es-CL" sz="4000" b="1" dirty="0">
-              <a:solidFill>
-                <a:schemeClr val="accent1">
-                  <a:lumMod val="75000"/>
-                </a:schemeClr>
-              </a:solidFill>
-            </a:endParaRPr>
-          </a:p>
-        </p:txBody>
-      </p:sp>
-    </p:spTree>
-    <p:extLst>
-      <p:ext uri="{BB962C8B-B14F-4D97-AF65-F5344CB8AC3E}">
-        <p14:creationId xmlns:p14="http://schemas.microsoft.com/office/powerpoint/2010/main" val="768611252"/>
+        <p14:creationId xmlns:p14="http://schemas.microsoft.com/office/powerpoint/2010/main" val="303990451"/>
       </p:ext>
     </p:extLst>
   </p:cSld>
